--- a/Templates/SG.pptx
+++ b/Templates/SG.pptx
@@ -156,96 +156,6 @@
 </p1510:revInfo>
 </file>
 
-<file path=ppt/changesInfos/changesInfo1.xml><?xml version="1.0" encoding="utf-8"?>
-<pc:chgInfo xmlns:a="http://schemas.openxmlformats.org/drawingml/2006/main" xmlns:r="http://schemas.openxmlformats.org/officeDocument/2006/relationships" xmlns:ac="http://schemas.microsoft.com/office/drawing/2013/main/command" xmlns:pc="http://schemas.microsoft.com/office/powerpoint/2013/main/command">
-  <pc:docChgLst>
-    <pc:chgData name="Wally PILLER" userId="e1c1cba4-6299-482b-91e7-ffd34a654594" providerId="ADAL" clId="{A9E438CC-0FD5-4DE9-8209-90A2CEB965F8}"/>
-    <pc:docChg chg="undo custSel modSld">
-      <pc:chgData name="Wally PILLER" userId="e1c1cba4-6299-482b-91e7-ffd34a654594" providerId="ADAL" clId="{A9E438CC-0FD5-4DE9-8209-90A2CEB965F8}" dt="2022-05-25T15:14:25.839" v="135" actId="20578"/>
-      <pc:docMkLst>
-        <pc:docMk/>
-      </pc:docMkLst>
-      <pc:sldChg chg="modSp mod">
-        <pc:chgData name="Wally PILLER" userId="e1c1cba4-6299-482b-91e7-ffd34a654594" providerId="ADAL" clId="{A9E438CC-0FD5-4DE9-8209-90A2CEB965F8}" dt="2022-05-25T14:22:14.657" v="49"/>
-        <pc:sldMkLst>
-          <pc:docMk/>
-          <pc:sldMk cId="279835308" sldId="283"/>
-        </pc:sldMkLst>
-        <pc:spChg chg="mod">
-          <ac:chgData name="Wally PILLER" userId="e1c1cba4-6299-482b-91e7-ffd34a654594" providerId="ADAL" clId="{A9E438CC-0FD5-4DE9-8209-90A2CEB965F8}" dt="2022-05-25T14:22:14.657" v="49"/>
-          <ac:spMkLst>
-            <pc:docMk/>
-            <pc:sldMk cId="279835308" sldId="283"/>
-            <ac:spMk id="12" creationId="{6D78390A-2262-4712-95F9-8DE5399A1291}"/>
-          </ac:spMkLst>
-        </pc:spChg>
-        <pc:spChg chg="mod">
-          <ac:chgData name="Wally PILLER" userId="e1c1cba4-6299-482b-91e7-ffd34a654594" providerId="ADAL" clId="{A9E438CC-0FD5-4DE9-8209-90A2CEB965F8}" dt="2022-05-25T14:19:32.794" v="3" actId="20577"/>
-          <ac:spMkLst>
-            <pc:docMk/>
-            <pc:sldMk cId="279835308" sldId="283"/>
-            <ac:spMk id="18" creationId="{CFFC8B5E-6E2E-4EB2-BF37-16231C4C9B24}"/>
-          </ac:spMkLst>
-        </pc:spChg>
-        <pc:spChg chg="mod">
-          <ac:chgData name="Wally PILLER" userId="e1c1cba4-6299-482b-91e7-ffd34a654594" providerId="ADAL" clId="{A9E438CC-0FD5-4DE9-8209-90A2CEB965F8}" dt="2022-05-25T14:20:45.213" v="45" actId="5793"/>
-          <ac:spMkLst>
-            <pc:docMk/>
-            <pc:sldMk cId="279835308" sldId="283"/>
-            <ac:spMk id="19" creationId="{31D75E17-6DBF-43D8-8176-54D6EA820E0A}"/>
-          </ac:spMkLst>
-        </pc:spChg>
-      </pc:sldChg>
-      <pc:sldChg chg="modSp mod">
-        <pc:chgData name="Wally PILLER" userId="e1c1cba4-6299-482b-91e7-ffd34a654594" providerId="ADAL" clId="{A9E438CC-0FD5-4DE9-8209-90A2CEB965F8}" dt="2022-05-25T14:26:00.707" v="66" actId="20577"/>
-        <pc:sldMkLst>
-          <pc:docMk/>
-          <pc:sldMk cId="4283008219" sldId="284"/>
-        </pc:sldMkLst>
-        <pc:spChg chg="mod">
-          <ac:chgData name="Wally PILLER" userId="e1c1cba4-6299-482b-91e7-ffd34a654594" providerId="ADAL" clId="{A9E438CC-0FD5-4DE9-8209-90A2CEB965F8}" dt="2022-05-25T14:26:00.707" v="66" actId="20577"/>
-          <ac:spMkLst>
-            <pc:docMk/>
-            <pc:sldMk cId="4283008219" sldId="284"/>
-            <ac:spMk id="16" creationId="{E676ECD3-0DEA-491E-887F-9613472B311F}"/>
-          </ac:spMkLst>
-        </pc:spChg>
-      </pc:sldChg>
-      <pc:sldChg chg="modSp">
-        <pc:chgData name="Wally PILLER" userId="e1c1cba4-6299-482b-91e7-ffd34a654594" providerId="ADAL" clId="{A9E438CC-0FD5-4DE9-8209-90A2CEB965F8}" dt="2022-05-25T15:14:25.839" v="135" actId="20578"/>
-        <pc:sldMkLst>
-          <pc:docMk/>
-          <pc:sldMk cId="2335663946" sldId="286"/>
-        </pc:sldMkLst>
-        <pc:spChg chg="mod">
-          <ac:chgData name="Wally PILLER" userId="e1c1cba4-6299-482b-91e7-ffd34a654594" providerId="ADAL" clId="{A9E438CC-0FD5-4DE9-8209-90A2CEB965F8}" dt="2022-05-25T15:14:25.839" v="135" actId="20578"/>
-          <ac:spMkLst>
-            <pc:docMk/>
-            <pc:sldMk cId="2335663946" sldId="286"/>
-            <ac:spMk id="11" creationId="{FED2574D-6984-4E56-B512-D9093DAE028A}"/>
-          </ac:spMkLst>
-        </pc:spChg>
-      </pc:sldChg>
-      <pc:sldChg chg="modSp mod">
-        <pc:chgData name="Wally PILLER" userId="e1c1cba4-6299-482b-91e7-ffd34a654594" providerId="ADAL" clId="{A9E438CC-0FD5-4DE9-8209-90A2CEB965F8}" dt="2022-05-25T14:36:03.100" v="134" actId="108"/>
-        <pc:sldMkLst>
-          <pc:docMk/>
-          <pc:sldMk cId="713649784" sldId="289"/>
-        </pc:sldMkLst>
-        <pc:graphicFrameChg chg="mod modGraphic">
-          <ac:chgData name="Wally PILLER" userId="e1c1cba4-6299-482b-91e7-ffd34a654594" providerId="ADAL" clId="{A9E438CC-0FD5-4DE9-8209-90A2CEB965F8}" dt="2022-05-25T14:36:03.100" v="134" actId="108"/>
-          <ac:graphicFrameMkLst>
-            <pc:docMk/>
-            <pc:sldMk cId="713649784" sldId="289"/>
-            <ac:graphicFrameMk id="4" creationId="{D75964C9-9893-4B10-B127-424F0758DE3D}"/>
-          </ac:graphicFrameMkLst>
-        </pc:graphicFrameChg>
-      </pc:sldChg>
-    </pc:docChg>
-  </pc:docChgLst>
-</pc:chgInfo>
-</file>
-
 <file path=ppt/handoutMasters/handoutMaster1.xml><?xml version="1.0" encoding="utf-8"?>
 <p:handoutMaster xmlns:a="http://schemas.openxmlformats.org/drawingml/2006/main" xmlns:r="http://schemas.openxmlformats.org/officeDocument/2006/relationships" xmlns:p="http://schemas.openxmlformats.org/presentationml/2006/main">
   <p:cSld>
@@ -328,7 +238,7 @@
           <a:p>
             <a:fld id="{515CCE07-1711-4DC7-A7D8-7ED312C82FB8}" type="datetimeFigureOut">
               <a:rPr lang="fr-FR" smtClean="0"/>
-              <a:t>25/05/2022</a:t>
+              <a:t>21/06/2022</a:t>
             </a:fld>
             <a:endParaRPr lang="fr-FR"/>
           </a:p>
@@ -493,7 +403,7 @@
           <a:p>
             <a:fld id="{014ABEAC-8B63-4BD1-9569-A14EB8752A94}" type="datetimeFigureOut">
               <a:rPr lang="fr-FR" smtClean="0"/>
-              <a:t>25/05/2022</a:t>
+              <a:t>21/06/2022</a:t>
             </a:fld>
             <a:endParaRPr lang="fr-FR"/>
           </a:p>
@@ -6424,126 +6334,6 @@
           <a:chExt cx="0" cy="0"/>
         </a:xfrm>
       </p:grpSpPr>
-      <p:sp>
-        <p:nvSpPr>
-          <p:cNvPr id="2" name="Espace réservé du numéro de diapositive 1">
-            <a:extLst>
-              <a:ext uri="{FF2B5EF4-FFF2-40B4-BE49-F238E27FC236}">
-                <a16:creationId xmlns:a16="http://schemas.microsoft.com/office/drawing/2014/main" id="{0C33C7E1-5760-4AFF-97B6-9362D2C8CD65}"/>
-              </a:ext>
-            </a:extLst>
-          </p:cNvPr>
-          <p:cNvSpPr>
-            <a:spLocks noGrp="1"/>
-          </p:cNvSpPr>
-          <p:nvPr>
-            <p:ph type="sldNum" sz="quarter" idx="4"/>
-          </p:nvPr>
-        </p:nvSpPr>
-        <p:spPr/>
-        <p:txBody>
-          <a:bodyPr/>
-          <a:lstStyle/>
-          <a:p>
-            <a:fld id="{58F0BA28-1212-45AE-B075-64C06113A6D3}" type="slidenum">
-              <a:rPr lang="fr-FR" smtClean="0"/>
-              <a:pPr/>
-              <a:t>12</a:t>
-            </a:fld>
-            <a:endParaRPr lang="fr-FR" dirty="0"/>
-          </a:p>
-        </p:txBody>
-      </p:sp>
-      <p:sp>
-        <p:nvSpPr>
-          <p:cNvPr id="5" name="Text Box 2">
-            <a:extLst>
-              <a:ext uri="{FF2B5EF4-FFF2-40B4-BE49-F238E27FC236}">
-                <a16:creationId xmlns:a16="http://schemas.microsoft.com/office/drawing/2014/main" id="{45E1DCC2-11CD-41F7-969A-E4566F5B1573}"/>
-              </a:ext>
-            </a:extLst>
-          </p:cNvPr>
-          <p:cNvSpPr txBox="1">
-            <a:spLocks noChangeArrowheads="1"/>
-          </p:cNvSpPr>
-          <p:nvPr/>
-        </p:nvSpPr>
-        <p:spPr bwMode="auto">
-          <a:xfrm>
-            <a:off x="361950" y="9765983"/>
-            <a:ext cx="6483350" cy="415498"/>
-          </a:xfrm>
-          <a:prstGeom prst="rect">
-            <a:avLst/>
-          </a:prstGeom>
-          <a:noFill/>
-          <a:ln w="9525">
-            <a:noFill/>
-            <a:miter lim="800000"/>
-            <a:headEnd/>
-            <a:tailEnd/>
-          </a:ln>
-        </p:spPr>
-        <p:txBody>
-          <a:bodyPr wrap="square" lIns="0" tIns="0" rIns="0" bIns="0">
-            <a:spAutoFit/>
-          </a:bodyPr>
-          <a:lstStyle/>
-          <a:p>
-            <a:pPr marL="228600" lvl="0" indent="-228600" algn="just" defTabSz="914400">
-              <a:buAutoNum type="arabicParenBoth"/>
-            </a:pPr>
-            <a:r>
-              <a:rPr lang="fr-FR" sz="700" dirty="0">
-                <a:solidFill>
-                  <a:srgbClr val="000000"/>
-                </a:solidFill>
-                <a:latin typeface="Proxima Nova Rg" panose="02000506030000020004" pitchFamily="2" charset="0"/>
-              </a:rPr>
-              <a:t>Crédit Suisse AG : Moody’s A1 / Standard &amp; </a:t>
-            </a:r>
-            <a:r>
-              <a:rPr lang="fr-FR" sz="700" dirty="0" err="1">
-                <a:solidFill>
-                  <a:srgbClr val="000000"/>
-                </a:solidFill>
-                <a:latin typeface="Proxima Nova Rg" panose="02000506030000020004" pitchFamily="2" charset="0"/>
-              </a:rPr>
-              <a:t>Poor’s</a:t>
-            </a:r>
-            <a:r>
-              <a:rPr lang="fr-FR" sz="700" dirty="0">
-                <a:solidFill>
-                  <a:srgbClr val="000000"/>
-                </a:solidFill>
-                <a:latin typeface="Proxima Nova Rg" panose="02000506030000020004" pitchFamily="2" charset="0"/>
-              </a:rPr>
-              <a:t> A / Fitch A. Notations en vigueur au moment de la rédaction de la présente brochure le</a:t>
-            </a:r>
-            <a:r>
-              <a:rPr lang="fr-FR" sz="650" dirty="0"/>
-              <a:t> &lt;DDR_MAJ&gt;, qui ne sauraient ni être une garantie de solvabilité de l’Émetteur et du Garant de la formule, ni constituer un argument de souscription au produit. Les agences de notation peuvent les modifier à tout moment. </a:t>
-            </a:r>
-          </a:p>
-          <a:p>
-            <a:pPr marL="228600" lvl="0" indent="-228600" algn="just" defTabSz="914400">
-              <a:buAutoNum type="arabicParenBoth"/>
-            </a:pPr>
-            <a:r>
-              <a:rPr lang="fr-FR" sz="700" dirty="0">
-                <a:solidFill>
-                  <a:srgbClr val="000000"/>
-                </a:solidFill>
-                <a:latin typeface="Proxima Nova Rg" panose="02000506030000020004" pitchFamily="2" charset="0"/>
-              </a:rPr>
-              <a:t>Les conflits d’intérêts seront gérés suivant la réglementation en vigueur.</a:t>
-            </a:r>
-            <a:endParaRPr lang="fr-FR" sz="650" i="1" dirty="0">
-              <a:latin typeface="Proxima Nova Rg" panose="02000506030000020004" pitchFamily="2" charset="0"/>
-            </a:endParaRPr>
-          </a:p>
-        </p:txBody>
-      </p:sp>
       <p:graphicFrame>
         <p:nvGraphicFramePr>
           <p:cNvPr id="4" name="Tableau 3">
@@ -6559,14 +6349,14 @@
           <p:nvPr>
             <p:extLst>
               <p:ext uri="{D42A27DB-BD31-4B8C-83A1-F6EECF244321}">
-                <p14:modId xmlns:p14="http://schemas.microsoft.com/office/powerpoint/2010/main" val="2648722358"/>
+                <p14:modId xmlns:p14="http://schemas.microsoft.com/office/powerpoint/2010/main" val="3416251737"/>
               </p:ext>
             </p:extLst>
           </p:nvPr>
         </p:nvGraphicFramePr>
         <p:xfrm>
-          <a:off x="361950" y="979297"/>
-          <a:ext cx="6837886" cy="7405021"/>
+          <a:off x="361950" y="659257"/>
+          <a:ext cx="6837886" cy="7673912"/>
         </p:xfrm>
         <a:graphic>
           <a:graphicData uri="http://schemas.openxmlformats.org/drawingml/2006/table">
@@ -6613,6 +6403,155 @@
                         <a:tabLst/>
                         <a:defRPr/>
                       </a:pPr>
+                      <a:endParaRPr lang="fr-FR" sz="700" b="1" kern="1200" dirty="0">
+                        <a:solidFill>
+                          <a:srgbClr val="B9A049"/>
+                        </a:solidFill>
+                        <a:latin typeface="+mn-lt"/>
+                        <a:ea typeface="+mn-ea"/>
+                        <a:cs typeface="+mn-cs"/>
+                      </a:endParaRPr>
+                    </a:p>
+                  </a:txBody>
+                  <a:tcPr marL="72000" marR="72000" marT="46800" marB="46800" anchor="ctr">
+                    <a:lnL w="12700" cap="flat" cmpd="sng" algn="ctr">
+                      <a:noFill/>
+                      <a:prstDash val="solid"/>
+                      <a:round/>
+                      <a:headEnd type="none" w="med" len="med"/>
+                      <a:tailEnd type="none" w="med" len="med"/>
+                    </a:lnL>
+                    <a:lnR w="12700" cap="flat" cmpd="sng" algn="ctr">
+                      <a:noFill/>
+                      <a:prstDash val="solid"/>
+                      <a:round/>
+                      <a:headEnd type="none" w="med" len="med"/>
+                      <a:tailEnd type="none" w="med" len="med"/>
+                    </a:lnR>
+                    <a:lnT w="12700" cap="flat" cmpd="sng" algn="ctr">
+                      <a:noFill/>
+                      <a:prstDash val="solid"/>
+                      <a:round/>
+                      <a:headEnd type="none" w="med" len="med"/>
+                      <a:tailEnd type="none" w="med" len="med"/>
+                    </a:lnT>
+                    <a:lnB w="3175" cap="flat" cmpd="sng" algn="ctr">
+                      <a:solidFill>
+                        <a:schemeClr val="bg1">
+                          <a:lumMod val="50000"/>
+                        </a:schemeClr>
+                      </a:solidFill>
+                      <a:prstDash val="solid"/>
+                      <a:round/>
+                      <a:headEnd type="none" w="med" len="med"/>
+                      <a:tailEnd type="none" w="med" len="med"/>
+                    </a:lnB>
+                    <a:lnTlToBr w="12700" cmpd="sng">
+                      <a:noFill/>
+                      <a:prstDash val="solid"/>
+                    </a:lnTlToBr>
+                    <a:lnBlToTr w="12700" cmpd="sng">
+                      <a:noFill/>
+                      <a:prstDash val="solid"/>
+                    </a:lnBlToTr>
+                    <a:solidFill>
+                      <a:schemeClr val="bg1"/>
+                    </a:solidFill>
+                  </a:tcPr>
+                </a:tc>
+                <a:tc>
+                  <a:txBody>
+                    <a:bodyPr/>
+                    <a:lstStyle/>
+                    <a:p>
+                      <a:pPr algn="just">
+                        <a:lnSpc>
+                          <a:spcPct val="90000"/>
+                        </a:lnSpc>
+                      </a:pPr>
+                      <a:endParaRPr lang="fr-FR" sz="700" b="1" i="0" dirty="0">
+                        <a:solidFill>
+                          <a:schemeClr val="tx1"/>
+                        </a:solidFill>
+                        <a:latin typeface="+mn-lt"/>
+                      </a:endParaRPr>
+                    </a:p>
+                  </a:txBody>
+                  <a:tcPr marL="36000" marR="36000" marT="46800" marB="46800" anchor="ctr">
+                    <a:lnL w="12700" cap="flat" cmpd="sng" algn="ctr">
+                      <a:noFill/>
+                      <a:prstDash val="solid"/>
+                      <a:round/>
+                      <a:headEnd type="none" w="med" len="med"/>
+                      <a:tailEnd type="none" w="med" len="med"/>
+                    </a:lnL>
+                    <a:lnR w="6350" cap="flat" cmpd="sng" algn="ctr">
+                      <a:noFill/>
+                      <a:prstDash val="solid"/>
+                      <a:round/>
+                      <a:headEnd type="none" w="med" len="med"/>
+                      <a:tailEnd type="none" w="med" len="med"/>
+                    </a:lnR>
+                    <a:lnT w="12700" cap="flat" cmpd="sng" algn="ctr">
+                      <a:noFill/>
+                      <a:prstDash val="solid"/>
+                      <a:round/>
+                      <a:headEnd type="none" w="med" len="med"/>
+                      <a:tailEnd type="none" w="med" len="med"/>
+                    </a:lnT>
+                    <a:lnB w="3175" cap="flat" cmpd="sng" algn="ctr">
+                      <a:solidFill>
+                        <a:schemeClr val="bg1">
+                          <a:lumMod val="50000"/>
+                        </a:schemeClr>
+                      </a:solidFill>
+                      <a:prstDash val="solid"/>
+                      <a:round/>
+                      <a:headEnd type="none" w="med" len="med"/>
+                      <a:tailEnd type="none" w="med" len="med"/>
+                    </a:lnB>
+                    <a:lnTlToBr w="12700" cmpd="sng">
+                      <a:noFill/>
+                      <a:prstDash val="solid"/>
+                    </a:lnTlToBr>
+                    <a:lnBlToTr w="12700" cmpd="sng">
+                      <a:noFill/>
+                      <a:prstDash val="solid"/>
+                    </a:lnBlToTr>
+                    <a:solidFill>
+                      <a:schemeClr val="bg1"/>
+                    </a:solidFill>
+                  </a:tcPr>
+                </a:tc>
+                <a:extLst>
+                  <a:ext uri="{0D108BD9-81ED-4DB2-BD59-A6C34878D82A}">
+                    <a16:rowId xmlns:a16="http://schemas.microsoft.com/office/drawing/2014/main" val="490305239"/>
+                  </a:ext>
+                </a:extLst>
+              </a:tr>
+              <a:tr h="268891">
+                <a:tc>
+                  <a:txBody>
+                    <a:bodyPr/>
+                    <a:lstStyle/>
+                    <a:p>
+                      <a:pPr marL="0" marR="0" lvl="0" indent="0" algn="l" defTabSz="755934" rtl="0" eaLnBrk="1" fontAlgn="auto" latinLnBrk="0" hangingPunct="1">
+                        <a:lnSpc>
+                          <a:spcPct val="90000"/>
+                        </a:lnSpc>
+                        <a:spcBef>
+                          <a:spcPts val="0"/>
+                        </a:spcBef>
+                        <a:spcAft>
+                          <a:spcPts val="0"/>
+                        </a:spcAft>
+                        <a:buClrTx/>
+                        <a:buSzTx/>
+                        <a:buFontTx/>
+                        <a:buNone/>
+                        <a:tabLst/>
+                        <a:defRPr/>
+                      </a:pPr>
                       <a:r>
                         <a:rPr lang="fr-FR" sz="700" b="1" kern="1200" dirty="0">
                           <a:solidFill>
@@ -6647,9 +6586,11 @@
                       <a:headEnd type="none" w="med" len="med"/>
                       <a:tailEnd type="none" w="med" len="med"/>
                     </a:lnR>
-                    <a:lnT w="12700" cap="flat" cmpd="sng" algn="ctr">
-                      <a:solidFill>
-                        <a:schemeClr val="bg1"/>
+                    <a:lnT w="3175" cap="flat" cmpd="sng" algn="ctr">
+                      <a:solidFill>
+                        <a:schemeClr val="bg1">
+                          <a:lumMod val="50000"/>
+                        </a:schemeClr>
                       </a:solidFill>
                       <a:prstDash val="solid"/>
                       <a:round/>
@@ -6740,10 +6681,10 @@
                       <a:headEnd type="none" w="med" len="med"/>
                       <a:tailEnd type="none" w="med" len="med"/>
                     </a:lnR>
-                    <a:lnT w="6350" cap="flat" cmpd="sng" algn="ctr">
+                    <a:lnT w="3175" cap="flat" cmpd="sng" algn="ctr">
                       <a:solidFill>
                         <a:schemeClr val="bg1">
-                          <a:lumMod val="65000"/>
+                          <a:lumMod val="50000"/>
                         </a:schemeClr>
                       </a:solidFill>
                       <a:prstDash val="solid"/>
@@ -10948,16 +10889,22 @@
                         <a:tabLst/>
                       </a:pPr>
                       <a:r>
-                        <a:rPr lang="fr-FR" sz="700" b="0" i="0" kern="1200" dirty="0">
+                        <a:rPr lang="fr-FR" sz="700" cap="none" dirty="0">
                           <a:solidFill>
-                            <a:schemeClr val="tx1"/>
+                            <a:schemeClr val="tx2"/>
                           </a:solidFill>
-                          <a:latin typeface="+mn-lt"/>
-                          <a:ea typeface="+mn-ea"/>
-                          <a:cs typeface="+mn-cs"/>
+                          <a:latin typeface="Proxima Nova Rg" panose="02000506030000020004" pitchFamily="2" charset="0"/>
                         </a:rPr>
-                        <a:t>Contrat d’assurance vie ou de capitalisation</a:t>
+                        <a:t>Comptes-titres, contrats d’assurance vie et de capitalisation</a:t>
                       </a:r>
+                      <a:endParaRPr lang="fr-FR" sz="700" b="0" i="0" kern="1200" dirty="0">
+                        <a:solidFill>
+                          <a:schemeClr val="tx1"/>
+                        </a:solidFill>
+                        <a:latin typeface="+mn-lt"/>
+                        <a:ea typeface="+mn-ea"/>
+                        <a:cs typeface="+mn-cs"/>
+                      </a:endParaRPr>
                     </a:p>
                   </a:txBody>
                   <a:tcPr marT="46800" marB="46800" anchor="ctr" horzOverflow="overflow">
@@ -12759,6 +12706,126 @@
       </p:graphicFrame>
       <p:sp>
         <p:nvSpPr>
+          <p:cNvPr id="2" name="Espace réservé du numéro de diapositive 1">
+            <a:extLst>
+              <a:ext uri="{FF2B5EF4-FFF2-40B4-BE49-F238E27FC236}">
+                <a16:creationId xmlns:a16="http://schemas.microsoft.com/office/drawing/2014/main" id="{0C33C7E1-5760-4AFF-97B6-9362D2C8CD65}"/>
+              </a:ext>
+            </a:extLst>
+          </p:cNvPr>
+          <p:cNvSpPr>
+            <a:spLocks noGrp="1"/>
+          </p:cNvSpPr>
+          <p:nvPr>
+            <p:ph type="sldNum" sz="quarter" idx="4"/>
+          </p:nvPr>
+        </p:nvSpPr>
+        <p:spPr/>
+        <p:txBody>
+          <a:bodyPr/>
+          <a:lstStyle/>
+          <a:p>
+            <a:fld id="{58F0BA28-1212-45AE-B075-64C06113A6D3}" type="slidenum">
+              <a:rPr lang="fr-FR" smtClean="0"/>
+              <a:pPr/>
+              <a:t>12</a:t>
+            </a:fld>
+            <a:endParaRPr lang="fr-FR" dirty="0"/>
+          </a:p>
+        </p:txBody>
+      </p:sp>
+      <p:sp>
+        <p:nvSpPr>
+          <p:cNvPr id="5" name="Text Box 2">
+            <a:extLst>
+              <a:ext uri="{FF2B5EF4-FFF2-40B4-BE49-F238E27FC236}">
+                <a16:creationId xmlns:a16="http://schemas.microsoft.com/office/drawing/2014/main" id="{45E1DCC2-11CD-41F7-969A-E4566F5B1573}"/>
+              </a:ext>
+            </a:extLst>
+          </p:cNvPr>
+          <p:cNvSpPr txBox="1">
+            <a:spLocks noChangeArrowheads="1"/>
+          </p:cNvSpPr>
+          <p:nvPr/>
+        </p:nvSpPr>
+        <p:spPr bwMode="auto">
+          <a:xfrm>
+            <a:off x="361950" y="9765983"/>
+            <a:ext cx="6483350" cy="415498"/>
+          </a:xfrm>
+          <a:prstGeom prst="rect">
+            <a:avLst/>
+          </a:prstGeom>
+          <a:noFill/>
+          <a:ln w="9525">
+            <a:noFill/>
+            <a:miter lim="800000"/>
+            <a:headEnd/>
+            <a:tailEnd/>
+          </a:ln>
+        </p:spPr>
+        <p:txBody>
+          <a:bodyPr wrap="square" lIns="0" tIns="0" rIns="0" bIns="0">
+            <a:spAutoFit/>
+          </a:bodyPr>
+          <a:lstStyle/>
+          <a:p>
+            <a:pPr marL="228600" lvl="0" indent="-228600" algn="just" defTabSz="914400">
+              <a:buAutoNum type="arabicParenBoth"/>
+            </a:pPr>
+            <a:r>
+              <a:rPr lang="fr-FR" sz="700" dirty="0">
+                <a:solidFill>
+                  <a:srgbClr val="000000"/>
+                </a:solidFill>
+                <a:latin typeface="Proxima Nova Rg" panose="02000506030000020004" pitchFamily="2" charset="0"/>
+              </a:rPr>
+              <a:t>Crédit Suisse AG : Moody’s A1 / Standard &amp; </a:t>
+            </a:r>
+            <a:r>
+              <a:rPr lang="fr-FR" sz="700" dirty="0" err="1">
+                <a:solidFill>
+                  <a:srgbClr val="000000"/>
+                </a:solidFill>
+                <a:latin typeface="Proxima Nova Rg" panose="02000506030000020004" pitchFamily="2" charset="0"/>
+              </a:rPr>
+              <a:t>Poor’s</a:t>
+            </a:r>
+            <a:r>
+              <a:rPr lang="fr-FR" sz="700" dirty="0">
+                <a:solidFill>
+                  <a:srgbClr val="000000"/>
+                </a:solidFill>
+                <a:latin typeface="Proxima Nova Rg" panose="02000506030000020004" pitchFamily="2" charset="0"/>
+              </a:rPr>
+              <a:t> A / Fitch A. Notations en vigueur au moment de la rédaction de la présente brochure le</a:t>
+            </a:r>
+            <a:r>
+              <a:rPr lang="fr-FR" sz="650" dirty="0"/>
+              <a:t> &lt;DDR_MAJ&gt;, qui ne sauraient ni être une garantie de solvabilité de l’Émetteur et du Garant de la formule, ni constituer un argument de souscription au produit. Les agences de notation peuvent les modifier à tout moment. </a:t>
+            </a:r>
+          </a:p>
+          <a:p>
+            <a:pPr marL="228600" lvl="0" indent="-228600" algn="just" defTabSz="914400">
+              <a:buAutoNum type="arabicParenBoth"/>
+            </a:pPr>
+            <a:r>
+              <a:rPr lang="fr-FR" sz="700" dirty="0">
+                <a:solidFill>
+                  <a:srgbClr val="000000"/>
+                </a:solidFill>
+                <a:latin typeface="Proxima Nova Rg" panose="02000506030000020004" pitchFamily="2" charset="0"/>
+              </a:rPr>
+              <a:t>Les conflits d’intérêts seront gérés suivant la réglementation en vigueur.</a:t>
+            </a:r>
+            <a:endParaRPr lang="fr-FR" sz="650" i="1" dirty="0">
+              <a:latin typeface="Proxima Nova Rg" panose="02000506030000020004" pitchFamily="2" charset="0"/>
+            </a:endParaRPr>
+          </a:p>
+        </p:txBody>
+      </p:sp>
+      <p:sp>
+        <p:nvSpPr>
           <p:cNvPr id="6" name="Espace réservé du texte 11">
             <a:extLst>
               <a:ext uri="{FF2B5EF4-FFF2-40B4-BE49-F238E27FC236}">
@@ -13457,7 +13524,7 @@
           <p:nvPr>
             <p:extLst>
               <p:ext uri="{D42A27DB-BD31-4B8C-83A1-F6EECF244321}">
-                <p14:modId xmlns:p14="http://schemas.microsoft.com/office/powerpoint/2010/main" val="482560643"/>
+                <p14:modId xmlns:p14="http://schemas.microsoft.com/office/powerpoint/2010/main" val="1366030026"/>
               </p:ext>
             </p:extLst>
           </p:nvPr>
@@ -17626,7 +17693,7 @@
                         <a:defRPr/>
                       </a:pPr>
                       <a:r>
-                        <a:rPr lang="fr-FR" sz="700" b="0" i="0" kern="1200">
+                        <a:rPr lang="fr-FR" sz="700" b="0" i="0" kern="1200" dirty="0">
                           <a:solidFill>
                             <a:schemeClr val="tx1"/>
                           </a:solidFill>
@@ -18180,16 +18247,22 @@
                         <a:tabLst/>
                       </a:pPr>
                       <a:r>
-                        <a:rPr lang="fr-FR" sz="700" b="0" i="0" kern="1200" dirty="0">
+                        <a:rPr lang="fr-FR" sz="700" cap="none" dirty="0">
                           <a:solidFill>
-                            <a:schemeClr val="tx1"/>
+                            <a:schemeClr val="tx2"/>
                           </a:solidFill>
-                          <a:latin typeface="+mn-lt"/>
-                          <a:ea typeface="+mn-ea"/>
-                          <a:cs typeface="+mn-cs"/>
+                          <a:latin typeface="Proxima Nova Rg" panose="02000506030000020004" pitchFamily="2" charset="0"/>
                         </a:rPr>
-                        <a:t>Contrat d’assurance vie ou de capitalisation</a:t>
+                        <a:t>Comptes-titres, contrats d’assurance vie et de capitalisation</a:t>
                       </a:r>
+                      <a:endParaRPr lang="fr-FR" sz="700" b="0" i="0" kern="1200" dirty="0">
+                        <a:solidFill>
+                          <a:schemeClr val="tx1"/>
+                        </a:solidFill>
+                        <a:latin typeface="+mn-lt"/>
+                        <a:ea typeface="+mn-ea"/>
+                        <a:cs typeface="+mn-cs"/>
+                      </a:endParaRPr>
                     </a:p>
                   </a:txBody>
                   <a:tcPr marT="46800" marB="46800" anchor="ctr" horzOverflow="overflow">
@@ -31326,149 +31399,6 @@
       </p:sp>
       <p:sp>
         <p:nvSpPr>
-          <p:cNvPr id="7" name="Rectangle">
-            <a:extLst>
-              <a:ext uri="{FF2B5EF4-FFF2-40B4-BE49-F238E27FC236}">
-                <a16:creationId xmlns:a16="http://schemas.microsoft.com/office/drawing/2014/main" id="{11CD4052-900D-4194-A69C-0AF1ADBF03E1}"/>
-              </a:ext>
-            </a:extLst>
-          </p:cNvPr>
-          <p:cNvSpPr/>
-          <p:nvPr/>
-        </p:nvSpPr>
-        <p:spPr>
-          <a:xfrm>
-            <a:off x="541297" y="9536636"/>
-            <a:ext cx="6480000" cy="6846"/>
-          </a:xfrm>
-          <a:prstGeom prst="rect">
-            <a:avLst/>
-          </a:prstGeom>
-          <a:solidFill>
-            <a:srgbClr val="C5AF5C"/>
-          </a:solidFill>
-          <a:ln w="3175">
-            <a:miter lim="400000"/>
-          </a:ln>
-        </p:spPr>
-        <p:txBody>
-          <a:bodyPr lIns="20981" tIns="20981" rIns="20981" bIns="20981" anchor="ctr"/>
-          <a:lstStyle/>
-          <a:p>
-            <a:pPr algn="ctr" defTabSz="825500">
-              <a:lnSpc>
-                <a:spcPct val="100000"/>
-              </a:lnSpc>
-              <a:defRPr sz="3200" b="0">
-                <a:solidFill>
-                  <a:srgbClr val="FFFFFF"/>
-                </a:solidFill>
-                <a:latin typeface="Helvetica Neue Medium"/>
-                <a:ea typeface="Helvetica Neue Medium"/>
-                <a:cs typeface="Helvetica Neue Medium"/>
-                <a:sym typeface="Helvetica Neue Medium"/>
-              </a:defRPr>
-            </a:pPr>
-            <a:endParaRPr/>
-          </a:p>
-        </p:txBody>
-      </p:sp>
-      <p:sp>
-        <p:nvSpPr>
-          <p:cNvPr id="8" name="Rectangle">
-            <a:extLst>
-              <a:ext uri="{FF2B5EF4-FFF2-40B4-BE49-F238E27FC236}">
-                <a16:creationId xmlns:a16="http://schemas.microsoft.com/office/drawing/2014/main" id="{C768572F-300B-4C49-A926-4F8F54816CFD}"/>
-              </a:ext>
-            </a:extLst>
-          </p:cNvPr>
-          <p:cNvSpPr/>
-          <p:nvPr/>
-        </p:nvSpPr>
-        <p:spPr>
-          <a:xfrm>
-            <a:off x="541297" y="9058605"/>
-            <a:ext cx="6480000" cy="6846"/>
-          </a:xfrm>
-          <a:prstGeom prst="rect">
-            <a:avLst/>
-          </a:prstGeom>
-          <a:solidFill>
-            <a:srgbClr val="C5AF5C"/>
-          </a:solidFill>
-          <a:ln w="3175">
-            <a:miter lim="400000"/>
-          </a:ln>
-        </p:spPr>
-        <p:txBody>
-          <a:bodyPr lIns="20981" tIns="20981" rIns="20981" bIns="20981" anchor="ctr"/>
-          <a:lstStyle/>
-          <a:p>
-            <a:pPr algn="ctr" defTabSz="825500">
-              <a:lnSpc>
-                <a:spcPct val="100000"/>
-              </a:lnSpc>
-              <a:defRPr sz="3200" b="0">
-                <a:solidFill>
-                  <a:srgbClr val="FFFFFF"/>
-                </a:solidFill>
-                <a:latin typeface="Helvetica Neue Medium"/>
-                <a:ea typeface="Helvetica Neue Medium"/>
-                <a:cs typeface="Helvetica Neue Medium"/>
-                <a:sym typeface="Helvetica Neue Medium"/>
-              </a:defRPr>
-            </a:pPr>
-            <a:endParaRPr/>
-          </a:p>
-        </p:txBody>
-      </p:sp>
-      <p:sp>
-        <p:nvSpPr>
-          <p:cNvPr id="9" name="ZoneTexte 8">
-            <a:extLst>
-              <a:ext uri="{FF2B5EF4-FFF2-40B4-BE49-F238E27FC236}">
-                <a16:creationId xmlns:a16="http://schemas.microsoft.com/office/drawing/2014/main" id="{A55E763B-8611-4526-B7E2-84EB19435569}"/>
-              </a:ext>
-            </a:extLst>
-          </p:cNvPr>
-          <p:cNvSpPr txBox="1"/>
-          <p:nvPr/>
-        </p:nvSpPr>
-        <p:spPr>
-          <a:xfrm>
-            <a:off x="537948" y="9144369"/>
-            <a:ext cx="6483350" cy="332399"/>
-          </a:xfrm>
-          <a:prstGeom prst="rect">
-            <a:avLst/>
-          </a:prstGeom>
-          <a:noFill/>
-        </p:spPr>
-        <p:txBody>
-          <a:bodyPr wrap="square" lIns="0" tIns="0" rIns="0" bIns="0">
-            <a:spAutoFit/>
-          </a:bodyPr>
-          <a:lstStyle/>
-          <a:p>
-            <a:pPr marL="0" lvl="2" indent="0" algn="just">
-              <a:lnSpc>
-                <a:spcPct val="90000"/>
-              </a:lnSpc>
-              <a:buNone/>
-            </a:pPr>
-            <a:r>
-              <a:rPr lang="fr-FR" sz="800" dirty="0">
-                <a:solidFill>
-                  <a:srgbClr val="000000"/>
-                </a:solidFill>
-              </a:rPr>
-              <a:t>En tant que banque d’investissement avec un large éventail d’activités, BNP Paribas peut faire face à de potentiels conflits d’intérêts. Dans le cadre de l’émission de ces titres de créance, le Groupe BNP Paribas a mis en place des politiques et des mesures appropriées afin de gérer de possibles conflits de ce type entre les différentes entités du Groupe. </a:t>
-            </a:r>
-          </a:p>
-        </p:txBody>
-      </p:sp>
-      <p:sp>
-        <p:nvSpPr>
           <p:cNvPr id="11" name="ZoneTexte 10">
             <a:extLst>
               <a:ext uri="{FF2B5EF4-FFF2-40B4-BE49-F238E27FC236}">
@@ -32035,7 +31965,7 @@
                 <a:effectLst/>
                 <a:ea typeface="Calibri" panose="020F0502020204030204" pitchFamily="34" charset="0"/>
               </a:rPr>
-              <a:t>&lt;ABAC&gt; &lt;EBAC&gt; &lt;DESONNDR&gt; </a:t>
+              <a:t>&lt;ABAC&gt; de son &lt;NDR&gt; </a:t>
             </a:r>
             <a:r>
               <a:rPr lang="fr-FR" sz="800" b="1" dirty="0">
@@ -32933,25 +32863,8 @@
                 <a:ea typeface="SimSun" pitchFamily="2" charset="-122"/>
                 <a:cs typeface="Times New Roman" pitchFamily="18" charset="0"/>
               </a:rPr>
-              <a:t>.</a:t>
-            </a:r>
-            <a:r>
-              <a:rPr lang="fr-FR" sz="800">
-                <a:solidFill>
-                  <a:srgbClr val="000000"/>
-                </a:solidFill>
-                <a:ea typeface="SimSun" pitchFamily="2" charset="-122"/>
-                <a:cs typeface="Times New Roman" pitchFamily="18" charset="0"/>
-              </a:rPr>
-              <a:t> &lt;Mémoire3&gt;</a:t>
-            </a:r>
-            <a:endParaRPr lang="fr-FR" sz="800" dirty="0">
-              <a:solidFill>
-                <a:srgbClr val="000000"/>
-              </a:solidFill>
-              <a:ea typeface="SimSun" pitchFamily="2" charset="-122"/>
-              <a:cs typeface="Times New Roman" pitchFamily="18" charset="0"/>
-            </a:endParaRPr>
+              <a:t>. &lt;Mémoire3&gt;</a:t>
+            </a:r>
           </a:p>
           <a:p>
             <a:pPr marL="171450" indent="-171450" algn="just">
@@ -32965,12 +32878,20 @@
               <a:buChar char="•"/>
             </a:pPr>
             <a:r>
-              <a:rPr lang="fr-FR" sz="800">
+              <a:rPr lang="fr-FR" sz="800" dirty="0">
                 <a:solidFill>
                   <a:srgbClr val="000000"/>
                 </a:solidFill>
               </a:rPr>
-              <a:t>A l’issue </a:t>
+              <a:t>A l’issue &lt;DU&gt; &lt;F0&gt; &lt;1PR&gt; à &lt;ADPR&gt;, si à l’une des dates de constatation &lt;F1&gt; correspondantes</a:t>
+            </a:r>
+            <a:r>
+              <a:rPr lang="fr-FR" sz="800" baseline="30000" dirty="0">
+                <a:solidFill>
+                  <a:srgbClr val="000000"/>
+                </a:solidFill>
+              </a:rPr>
+              <a:t>(1)</a:t>
             </a:r>
             <a:r>
               <a:rPr lang="fr-FR" sz="800" dirty="0">
@@ -32978,55 +32899,7 @@
                   <a:srgbClr val="000000"/>
                 </a:solidFill>
               </a:rPr>
-              <a:t>&lt;DU&gt; &lt;F0&gt; &lt;1PR&gt; </a:t>
-            </a:r>
-            <a:r>
-              <a:rPr lang="fr-FR" sz="800">
-                <a:solidFill>
-                  <a:srgbClr val="000000"/>
-                </a:solidFill>
-              </a:rPr>
-              <a:t>à</a:t>
-            </a:r>
-            <a:r>
-              <a:rPr lang="fr-FR" sz="800" dirty="0">
-                <a:solidFill>
-                  <a:srgbClr val="000000"/>
-                </a:solidFill>
-              </a:rPr>
-              <a:t> &lt;ADPR&gt;, si à l’une des dates de constatation &lt;F1&gt; correspondantes</a:t>
-            </a:r>
-            <a:r>
-              <a:rPr lang="fr-FR" sz="800" baseline="30000" dirty="0">
-                <a:solidFill>
-                  <a:srgbClr val="000000"/>
-                </a:solidFill>
-              </a:rPr>
-              <a:t>(1)</a:t>
-            </a:r>
-            <a:r>
-              <a:rPr lang="fr-FR" sz="800" dirty="0">
-                <a:solidFill>
-                  <a:srgbClr val="000000"/>
-                </a:solidFill>
-              </a:rPr>
-              <a:t> </a:t>
-            </a:r>
-            <a:r>
-              <a:rPr lang="fr-FR" sz="800">
-                <a:solidFill>
-                  <a:srgbClr val="000000"/>
-                </a:solidFill>
-              </a:rPr>
-              <a:t>,&lt;</a:t>
-            </a:r>
-            <a:r>
-              <a:rPr lang="fr-FR" sz="800" dirty="0">
-                <a:solidFill>
-                  <a:srgbClr val="000000"/>
-                </a:solidFill>
-              </a:rPr>
-              <a:t>SJR1&gt; clôture à un &lt;SJR3&gt; supérieur ou égal à &lt;ABAC&gt;, </a:t>
+              <a:t> ,&lt;SJR1&gt; clôture à un &lt;SJR3&gt; supérieur ou égal à &lt;ABAC&gt;, </a:t>
             </a:r>
             <a:r>
               <a:rPr lang="fr-FR" sz="800" b="1" dirty="0">
@@ -33053,29 +32926,7 @@
                   <a:srgbClr val="00FFFF"/>
                 </a:highlight>
               </a:rPr>
-              <a:t>&lt;TRA</a:t>
-            </a:r>
-            <a:r>
-              <a:rPr lang="fr-FR" sz="800">
-                <a:solidFill>
-                  <a:srgbClr val="000000"/>
-                </a:solidFill>
-                <a:highlight>
-                  <a:srgbClr val="00FFFF"/>
-                </a:highlight>
-              </a:rPr>
-              <a:t>.</a:t>
-            </a:r>
-            <a:r>
-              <a:rPr lang="fr-FR" sz="800" dirty="0">
-                <a:solidFill>
-                  <a:srgbClr val="000000"/>
-                </a:solidFill>
-                <a:highlight>
-                  <a:srgbClr val="00FFFF"/>
-                </a:highlight>
-              </a:rPr>
-              <a:t>MAX.P&gt;</a:t>
+              <a:t>&lt;TRA.MAX.P&gt;</a:t>
             </a:r>
             <a:r>
               <a:rPr lang="fr-FR" sz="800" baseline="30000" dirty="0">
@@ -33110,13 +32961,6 @@
               </a:rPr>
               <a:t>).</a:t>
             </a:r>
-            <a:endParaRPr lang="fr-FR" sz="800">
-              <a:solidFill>
-                <a:srgbClr val="000000"/>
-              </a:solidFill>
-              <a:ea typeface="SimSun" pitchFamily="2" charset="-122"/>
-              <a:cs typeface="Times New Roman" pitchFamily="18" charset="0"/>
-            </a:endParaRPr>
           </a:p>
           <a:p>
             <a:pPr marL="171450" indent="-171450" algn="just">
@@ -33130,52 +32974,12 @@
               <a:buChar char="•"/>
             </a:pPr>
             <a:r>
-              <a:rPr lang="fr-FR" sz="800">
+              <a:rPr lang="fr-FR" sz="800" dirty="0">
                 <a:solidFill>
                   <a:srgbClr val="000000"/>
                 </a:solidFill>
               </a:rPr>
-              <a:t>Sinon, si</a:t>
-            </a:r>
-            <a:r>
-              <a:rPr lang="fr-FR" sz="800" dirty="0">
-                <a:solidFill>
-                  <a:srgbClr val="000000"/>
-                </a:solidFill>
-              </a:rPr>
-              <a:t> le mécanisme de remboursement anticipé n’a pas été activé au préalable, et si </a:t>
-            </a:r>
-            <a:r>
-              <a:rPr lang="fr-FR" sz="800">
-                <a:solidFill>
-                  <a:srgbClr val="000000"/>
-                </a:solidFill>
-              </a:rPr>
-              <a:t>à la date de constatation finale </a:t>
-            </a:r>
-            <a:r>
-              <a:rPr lang="fr-FR" sz="800" dirty="0">
-                <a:solidFill>
-                  <a:srgbClr val="000000"/>
-                </a:solidFill>
-              </a:rPr>
-              <a:t>&lt;SJR1&gt; clôture à un &lt;SJR3&gt; supérieur ou égal à &lt;PDI&gt; de son &lt;NDR&gt;, l’investisseur récupère alors l’intégralité de son capital </a:t>
-            </a:r>
-            <a:r>
-              <a:rPr lang="fr-FR" sz="800">
-                <a:solidFill>
-                  <a:srgbClr val="000000"/>
-                </a:solidFill>
-              </a:rPr>
-              <a:t>initialement investi</a:t>
-            </a:r>
-            <a:r>
-              <a:rPr lang="fr-FR" sz="800" dirty="0">
-                <a:solidFill>
-                  <a:srgbClr val="000000"/>
-                </a:solidFill>
-              </a:rPr>
-              <a:t> (soit un Taux de Rendement Annuel net maximum de </a:t>
+              <a:t>Sinon, si le mécanisme de remboursement anticipé n’a pas été activé au préalable, et si à la date de constatation finale &lt;SJR1&gt; clôture à un &lt;SJR3&gt; supérieur ou égal à &lt;PDI&gt; de son &lt;NDR&gt;, l’investisseur récupère alors l’intégralité de son capital initialement investi (soit un Taux de Rendement Annuel net maximum de </a:t>
             </a:r>
             <a:r>
               <a:rPr lang="fr-FR" sz="800" dirty="0">
@@ -33565,7 +33369,7 @@
                 <a:effectLst/>
                 <a:ea typeface="Calibri" panose="020F0502020204030204" pitchFamily="34" charset="0"/>
               </a:rPr>
-              <a:t>&lt;ABAC2&gt; &lt;EBAC&gt; &lt;DESONNDR&gt; </a:t>
+              <a:t>&lt;ABAC2&gt; de son &lt;NDR&gt; </a:t>
             </a:r>
             <a:r>
               <a:rPr lang="fr-FR" sz="800" dirty="0">
@@ -33672,7 +33476,7 @@
               </a:lnSpc>
             </a:pPr>
             <a:r>
-              <a:rPr lang="fr-FR" sz="800" i="1">
+              <a:rPr lang="fr-FR" sz="800" i="1" dirty="0">
                 <a:solidFill>
                   <a:srgbClr val="000000"/>
                 </a:solidFill>
@@ -33680,7 +33484,7 @@
               <a:t>Conformément à l’articule 14 du Règlement délégué n°2019/979, les investisseurs sont invités à lire attentivement la section « Facteurs de Risques » du Prospectus de Base et des Conditions définitives, disponible sur le site </a:t>
             </a:r>
             <a:r>
-              <a:rPr lang="fr-FR" sz="800" i="1">
+              <a:rPr lang="fr-FR" sz="800" i="1" dirty="0">
                 <a:solidFill>
                   <a:srgbClr val="000000"/>
                 </a:solidFill>
@@ -33700,7 +33504,7 @@
                 <a:spcPct val="95000"/>
               </a:lnSpc>
             </a:pPr>
-            <a:endParaRPr lang="fr-FR" sz="800" i="1">
+            <a:endParaRPr lang="fr-FR" sz="800" i="1" dirty="0">
               <a:solidFill>
                 <a:srgbClr val="000000"/>
               </a:solidFill>
@@ -33754,15 +33558,7 @@
                   <a:srgbClr val="000000"/>
                 </a:solidFill>
               </a:rPr>
-              <a:t>en cas </a:t>
-            </a:r>
-            <a:r>
-              <a:rPr lang="fr-FR" sz="800">
-                <a:solidFill>
-                  <a:srgbClr val="000000"/>
-                </a:solidFill>
-              </a:rPr>
-              <a:t>d’insolvabilité de l’Emetteur, les investisseurs pourraient perdre l’ensemble ou une partie du capital investi indépendamment de tout autre facteur favorable pouvant impacter la valeur du produit, tel que la performance des actifs sous-jacents. </a:t>
+              <a:t>en cas d’insolvabilité de l’Emetteur, les investisseurs pourraient perdre l’ensemble ou une partie du capital investi indépendamment de tout autre facteur favorable pouvant impacter la valeur du produit, tel que la performance des actifs sous-jacents. </a:t>
             </a:r>
           </a:p>
           <a:p>
@@ -33777,7 +33573,7 @@
               <a:buChar char="•"/>
             </a:pPr>
             <a:r>
-              <a:rPr lang="fr-FR" sz="800" b="1">
+              <a:rPr lang="fr-FR" sz="800" b="1" dirty="0">
                 <a:solidFill>
                   <a:srgbClr val="000000"/>
                 </a:solidFill>
@@ -33785,7 +33581,7 @@
               <a:t>Risque de taux </a:t>
             </a:r>
             <a:r>
-              <a:rPr lang="fr-FR" sz="800">
+              <a:rPr lang="fr-FR" sz="800" dirty="0">
                 <a:solidFill>
                   <a:srgbClr val="000000"/>
                 </a:solidFill>
@@ -33805,7 +33601,7 @@
               <a:buChar char="•"/>
             </a:pPr>
             <a:r>
-              <a:rPr lang="fr-FR" sz="800" b="1">
+              <a:rPr lang="fr-FR" sz="800" b="1" dirty="0">
                 <a:solidFill>
                   <a:srgbClr val="000000"/>
                 </a:solidFill>
@@ -33813,7 +33609,7 @@
               <a:t>Risque de liquidité </a:t>
             </a:r>
             <a:r>
-              <a:rPr lang="fr-FR" sz="800">
+              <a:rPr lang="fr-FR" sz="800" dirty="0">
                 <a:solidFill>
                   <a:srgbClr val="000000"/>
                 </a:solidFill>
@@ -33833,7 +33629,7 @@
               <a:buChar char="•"/>
             </a:pPr>
             <a:r>
-              <a:rPr lang="fr-FR" sz="800" b="1">
+              <a:rPr lang="fr-FR" sz="800" b="1" dirty="0">
                 <a:solidFill>
                   <a:srgbClr val="000000"/>
                 </a:solidFill>
@@ -33841,7 +33637,7 @@
               <a:t>Risque de conflits d’intérêts potentiels </a:t>
             </a:r>
             <a:r>
-              <a:rPr lang="fr-FR" sz="800">
+              <a:rPr lang="fr-FR" sz="800" dirty="0">
                 <a:solidFill>
                   <a:srgbClr val="000000"/>
                 </a:solidFill>
@@ -33849,7 +33645,7 @@
               <a:t>: L’émetteur et l’agent de calcul de ce produit appartiennent au Groupe </a:t>
             </a:r>
             <a:r>
-              <a:rPr lang="fr-FR" sz="800" err="1">
+              <a:rPr lang="fr-FR" sz="800" dirty="0" err="1">
                 <a:solidFill>
                   <a:srgbClr val="000000"/>
                 </a:solidFill>
@@ -33857,14 +33653,14 @@
               <a:t>Credit</a:t>
             </a:r>
             <a:r>
-              <a:rPr lang="fr-FR" sz="800">
+              <a:rPr lang="fr-FR" sz="800" dirty="0">
                 <a:solidFill>
                   <a:srgbClr val="000000"/>
                 </a:solidFill>
               </a:rPr>
               <a:t> Suisse. Les conflits d’intérêts qui peuvent être engendrés seront gérés conformément à la réglementation applicable. </a:t>
             </a:r>
-            <a:endParaRPr lang="fr-FR" sz="800" b="1">
+            <a:endParaRPr lang="fr-FR" sz="800" b="1" dirty="0">
               <a:solidFill>
                 <a:srgbClr val="000000"/>
               </a:solidFill>
@@ -33882,7 +33678,7 @@
               <a:buChar char="•"/>
             </a:pPr>
             <a:r>
-              <a:rPr lang="fr-FR" sz="800" b="1">
+              <a:rPr lang="fr-FR" sz="800" b="1" dirty="0">
                 <a:solidFill>
                   <a:srgbClr val="000000"/>
                 </a:solidFill>
@@ -33893,7 +33689,7 @@
               <a:t>Exposition à la performance de l’indice sous-jacent. </a:t>
             </a:r>
             <a:r>
-              <a:rPr lang="fr-FR" sz="800">
+              <a:rPr lang="fr-FR" sz="800" dirty="0">
                 <a:solidFill>
                   <a:srgbClr val="000000"/>
                 </a:solidFill>
@@ -33903,7 +33699,7 @@
               </a:rPr>
               <a:t>La performance des actions composants l’indice dépend de facteurs macroéconomiques liés aux actions contenues dans l’indice, dont certains niveaux d’intérêt et de prix sur les marchés de capitaux, des variations de change, des facteurs politiques et des facteurs propres aux entreprises, tels que la situation financière, la situation commerciale, la situation en matière de risque, la structure de l’actionnariat et la politique en matière de distributions. En outre, le sponsor de l’indice peut modifier les composants dudit indice ou apporter d’autres changements d’ordre méthodologique susceptibles de changer le niveau d’un ou plusieurs composants. Ces modifications peuvent avoir un impact négatif sur le niveau dudit indice, et nuire ainsi à la valeur et au rendement du produit. &lt;SI INDICE&gt;</a:t>
             </a:r>
-            <a:endParaRPr lang="fr-FR" sz="800" b="1">
+            <a:endParaRPr lang="fr-FR" sz="800" b="1" dirty="0">
               <a:solidFill>
                 <a:srgbClr val="000000"/>
               </a:solidFill>
@@ -33924,7 +33720,7 @@
               <a:buChar char="•"/>
             </a:pPr>
             <a:r>
-              <a:rPr lang="fr-FR" sz="800" b="1">
+              <a:rPr lang="fr-FR" sz="800" b="1" dirty="0">
                 <a:solidFill>
                   <a:srgbClr val="000000"/>
                 </a:solidFill>
@@ -33935,7 +33731,7 @@
               <a:t>Risques liés aux indices « </a:t>
             </a:r>
             <a:r>
-              <a:rPr lang="fr-FR" sz="800" b="1" err="1">
+              <a:rPr lang="fr-FR" sz="800" b="1" dirty="0" err="1">
                 <a:solidFill>
                   <a:srgbClr val="000000"/>
                 </a:solidFill>
@@ -33946,7 +33742,7 @@
               <a:t>Decrement</a:t>
             </a:r>
             <a:r>
-              <a:rPr lang="fr-FR" sz="800" b="1">
+              <a:rPr lang="fr-FR" sz="800" b="1" dirty="0">
                 <a:solidFill>
                   <a:srgbClr val="000000"/>
                 </a:solidFill>
@@ -33957,7 +33753,7 @@
               <a:t> » en points d’indice : </a:t>
             </a:r>
             <a:r>
-              <a:rPr lang="fr-FR" sz="800">
+              <a:rPr lang="fr-FR" sz="800" dirty="0">
                 <a:solidFill>
                   <a:srgbClr val="000000"/>
                 </a:solidFill>
@@ -33967,7 +33763,7 @@
               </a:rPr>
               <a:t>Un montant prédéterminé (dividende synthétique) étant périodiquement déduit du niveau de l’indice sous-jacent, celui-ci sous-performa l’indice correspondant dividendes réinvestis sans retranchement. En outre, l’indice sous-jacent aura une performance différente de celle de l’indice correspondant dividendes non-réinvestis, de sorte que si le niveau de dividende synthétique est supérieur au niveau de dividende réalisé, l’indice sous-jacent sous performera l’indice correspondant dividendes non réinvestis. Enfin, le dividende synthétique prélevé étant exprimé en points d'indice, le rendement du dividende synthétique augmentera dans uns scénario de marché négatif. Ainsi, la sous-performance de l’indice sera accélérée en cas de baisse du niveau de l’indice. SI INDICE DECREMENT</a:t>
             </a:r>
-            <a:endParaRPr lang="fr-FR" sz="800" b="1">
+            <a:endParaRPr lang="fr-FR" sz="800" b="1" dirty="0">
               <a:solidFill>
                 <a:srgbClr val="000000"/>
               </a:solidFill>
@@ -36326,6 +36122,15 @@
 </file>
 
 <file path=customXml/item1.xml><?xml version="1.0" encoding="utf-8"?>
+<?mso-contentType ?>
+<FormTemplates xmlns="http://schemas.microsoft.com/sharepoint/v3/contenttype/forms">
+  <Display>DocumentLibraryForm</Display>
+  <Edit>DocumentLibraryForm</Edit>
+  <New>DocumentLibraryForm</New>
+</FormTemplates>
+</file>
+
+<file path=customXml/item2.xml><?xml version="1.0" encoding="utf-8"?>
 <p:properties xmlns:p="http://schemas.microsoft.com/office/2006/metadata/properties" xmlns:xsi="http://www.w3.org/2001/XMLSchema-instance" xmlns:pc="http://schemas.microsoft.com/office/infopath/2007/PartnerControls">
   <documentManagement>
     <_Flow_SignoffStatus xmlns="ef624bc2-1644-4d69-8362-5c28ca496374" xsi:nil="true"/>
@@ -36337,9 +36142,9 @@
 </p:properties>
 </file>
 
-<file path=customXml/item2.xml><?xml version="1.0" encoding="utf-8"?>
-<ct:contentTypeSchema xmlns:ct="http://schemas.microsoft.com/office/2006/metadata/contentType" xmlns:ma="http://schemas.microsoft.com/office/2006/metadata/properties/metaAttributes" ct:_="" ma:_="" ma:contentTypeName="Document" ma:contentTypeID="0x0101005DDE610BC516E448BB8152259F39635A" ma:contentTypeVersion="16" ma:contentTypeDescription="Crée un document." ma:contentTypeScope="" ma:versionID="83520913e4fb50886b69c5d2b42e4a4a">
-  <xsd:schema xmlns:xsd="http://www.w3.org/2001/XMLSchema" xmlns:xs="http://www.w3.org/2001/XMLSchema" xmlns:p="http://schemas.microsoft.com/office/2006/metadata/properties" xmlns:ns2="ef624bc2-1644-4d69-8362-5c28ca496374" xmlns:ns3="514a554b-82b0-4359-b247-fc84018a95f0" targetNamespace="http://schemas.microsoft.com/office/2006/metadata/properties" ma:root="true" ma:fieldsID="cc61d48d89f522401cef424d48066f4d" ns2:_="" ns3:_="">
+<file path=customXml/item3.xml><?xml version="1.0" encoding="utf-8"?>
+<ct:contentTypeSchema xmlns:ct="http://schemas.microsoft.com/office/2006/metadata/contentType" xmlns:ma="http://schemas.microsoft.com/office/2006/metadata/properties/metaAttributes" ct:_="" ma:_="" ma:contentTypeName="Document" ma:contentTypeID="0x0101005DDE610BC516E448BB8152259F39635A" ma:contentTypeVersion="17" ma:contentTypeDescription="Crée un document." ma:contentTypeScope="" ma:versionID="bfb75e103009df80b8e5001438c41194">
+  <xsd:schema xmlns:xsd="http://www.w3.org/2001/XMLSchema" xmlns:xs="http://www.w3.org/2001/XMLSchema" xmlns:p="http://schemas.microsoft.com/office/2006/metadata/properties" xmlns:ns2="ef624bc2-1644-4d69-8362-5c28ca496374" xmlns:ns3="514a554b-82b0-4359-b247-fc84018a95f0" targetNamespace="http://schemas.microsoft.com/office/2006/metadata/properties" ma:root="true" ma:fieldsID="2ae3df86d13efbb4a35042af2564d386" ns2:_="" ns3:_="">
     <xsd:import namespace="ef624bc2-1644-4d69-8362-5c28ca496374"/>
     <xsd:import namespace="514a554b-82b0-4359-b247-fc84018a95f0"/>
     <xsd:element name="properties">
@@ -36363,6 +36168,7 @@
                 <xsd:element ref="ns2:_Flow_SignoffStatus" minOccurs="0"/>
                 <xsd:element ref="ns2:lcf76f155ced4ddcb4097134ff3c332f" minOccurs="0"/>
                 <xsd:element ref="ns3:TaxCatchAll" minOccurs="0"/>
+                <xsd:element ref="ns2:MediaLengthInSeconds" minOccurs="0"/>
               </xsd:all>
             </xsd:complexType>
           </xsd:element>
@@ -36438,6 +36244,11 @@
           <xsd:element ref="pc:Terms" minOccurs="0" maxOccurs="1"/>
         </xsd:sequence>
       </xsd:complexType>
+    </xsd:element>
+    <xsd:element name="MediaLengthInSeconds" ma:index="24" nillable="true" ma:displayName="MediaLengthInSeconds" ma:hidden="true" ma:internalName="MediaLengthInSeconds" ma:readOnly="true">
+      <xsd:simpleType>
+        <xsd:restriction base="dms:Unknown"/>
+      </xsd:simpleType>
     </xsd:element>
   </xsd:schema>
   <xsd:schema xmlns:xsd="http://www.w3.org/2001/XMLSchema" xmlns:xs="http://www.w3.org/2001/XMLSchema" xmlns:dms="http://schemas.microsoft.com/office/2006/documentManagement/types" xmlns:pc="http://schemas.microsoft.com/office/infopath/2007/PartnerControls" targetNamespace="514a554b-82b0-4359-b247-fc84018a95f0" elementFormDefault="qualified">
@@ -36580,16 +36391,15 @@
 </ct:contentTypeSchema>
 </file>
 
-<file path=customXml/item3.xml><?xml version="1.0" encoding="utf-8"?>
-<?mso-contentType ?>
-<FormTemplates xmlns="http://schemas.microsoft.com/sharepoint/v3/contenttype/forms">
-  <Display>DocumentLibraryForm</Display>
-  <Edit>DocumentLibraryForm</Edit>
-  <New>DocumentLibraryForm</New>
-</FormTemplates>
+<file path=customXml/itemProps1.xml><?xml version="1.0" encoding="utf-8"?>
+<ds:datastoreItem xmlns:ds="http://schemas.openxmlformats.org/officeDocument/2006/customXml" ds:itemID="{B00FC41E-FBDE-42E2-B58A-20EBD240A376}">
+  <ds:schemaRefs>
+    <ds:schemaRef ds:uri="http://schemas.microsoft.com/sharepoint/v3/contenttype/forms"/>
+  </ds:schemaRefs>
+</ds:datastoreItem>
 </file>
 
-<file path=customXml/itemProps1.xml><?xml version="1.0" encoding="utf-8"?>
+<file path=customXml/itemProps2.xml><?xml version="1.0" encoding="utf-8"?>
 <ds:datastoreItem xmlns:ds="http://schemas.openxmlformats.org/officeDocument/2006/customXml" ds:itemID="{25DE574B-2CD2-4078-9BEA-2A14717D9698}">
   <ds:schemaRefs>
     <ds:schemaRef ds:uri="514a554b-82b0-4359-b247-fc84018a95f0"/>
@@ -36606,14 +36416,6 @@
 </ds:datastoreItem>
 </file>
 
-<file path=customXml/itemProps2.xml><?xml version="1.0" encoding="utf-8"?>
-<ds:datastoreItem xmlns:ds="http://schemas.openxmlformats.org/officeDocument/2006/customXml" ds:itemID="{81171557-F449-485B-98E8-D70CAC5AAA39}"/>
-</file>
-
 <file path=customXml/itemProps3.xml><?xml version="1.0" encoding="utf-8"?>
-<ds:datastoreItem xmlns:ds="http://schemas.openxmlformats.org/officeDocument/2006/customXml" ds:itemID="{B00FC41E-FBDE-42E2-B58A-20EBD240A376}">
-  <ds:schemaRefs>
-    <ds:schemaRef ds:uri="http://schemas.microsoft.com/sharepoint/v3/contenttype/forms"/>
-  </ds:schemaRefs>
-</ds:datastoreItem>
+<ds:datastoreItem xmlns:ds="http://schemas.openxmlformats.org/officeDocument/2006/customXml" ds:itemID="{1952AB1B-D807-48E4-B821-205D428E3F5C}"/>
 </file>
--- a/Templates/SG.pptx
+++ b/Templates/SG.pptx
@@ -238,7 +238,7 @@
           <a:p>
             <a:fld id="{515CCE07-1711-4DC7-A7D8-7ED312C82FB8}" type="datetimeFigureOut">
               <a:rPr lang="fr-FR" smtClean="0"/>
-              <a:t>21/06/2022</a:t>
+              <a:t>27/06/2022</a:t>
             </a:fld>
             <a:endParaRPr lang="fr-FR"/>
           </a:p>
@@ -403,7 +403,7 @@
           <a:p>
             <a:fld id="{014ABEAC-8B63-4BD1-9569-A14EB8752A94}" type="datetimeFigureOut">
               <a:rPr lang="fr-FR" smtClean="0"/>
-              <a:t>21/06/2022</a:t>
+              <a:t>27/06/2022</a:t>
             </a:fld>
             <a:endParaRPr lang="fr-FR"/>
           </a:p>
@@ -3608,19 +3608,7 @@
             </a:r>
             <a:r>
               <a:rPr lang="fr-FR" sz="800" dirty="0"/>
-              <a:t>, &lt;SJR1&gt; clôture à un &lt;SJR3&gt; strictement inférieur à </a:t>
-            </a:r>
-            <a:r>
-              <a:rPr lang="fr-FR" sz="800" dirty="0">
-                <a:highlight>
-                  <a:srgbClr val="FF00FF"/>
-                </a:highlight>
-              </a:rPr>
-              <a:t>&lt;ABAC2&gt;. </a:t>
-            </a:r>
-            <a:r>
-              <a:rPr lang="fr-FR" sz="800" dirty="0"/>
-              <a:t>Le mécanisme de remboursement anticipé automatique n’est donc pas activé et le produit ne verse aucun coupon&lt;Mémoire4&gt;.</a:t>
+              <a:t>, &lt;SJR1&gt; clôture à un &lt;SJR3&gt; strictement inférieur à &lt;ABAC2&gt;. Le mécanisme de remboursement anticipé automatique n’est donc pas activé et le produit ne verse aucun coupon&lt;Mémoire4&gt;.</a:t>
             </a:r>
           </a:p>
           <a:p>
@@ -4035,26 +4023,7 @@
                   <a:schemeClr val="tx2"/>
                 </a:solidFill>
               </a:rPr>
-              <a:t>, &lt;SJR1&gt; clôture à un &lt;SJR3&gt; supérieur à </a:t>
-            </a:r>
-            <a:r>
-              <a:rPr lang="fr-FR" sz="800" dirty="0">
-                <a:solidFill>
-                  <a:schemeClr val="tx2"/>
-                </a:solidFill>
-                <a:highlight>
-                  <a:srgbClr val="FF00FF"/>
-                </a:highlight>
-              </a:rPr>
-              <a:t>&lt;ABAC2</a:t>
-            </a:r>
-            <a:r>
-              <a:rPr lang="fr-FR" sz="800" dirty="0">
-                <a:solidFill>
-                  <a:schemeClr val="tx2"/>
-                </a:solidFill>
-              </a:rPr>
-              <a:t>&gt;. Le produit verse alors un coupon de &lt;CPN&gt; au titre de chaque &lt;F0&gt;.</a:t>
+              <a:t>, &lt;SJR1&gt; clôture à un &lt;SJR3&gt; supérieur à &lt;ABAC2&gt;. Le produit verse alors un coupon de &lt;CPN&gt; au titre de chaque &lt;F0&gt;.</a:t>
             </a:r>
           </a:p>
           <a:p>
@@ -4224,8 +4193,8 @@
         </p:nvSpPr>
         <p:spPr>
           <a:xfrm>
-            <a:off x="771525" y="2415143"/>
-            <a:ext cx="4057650" cy="369332"/>
+            <a:off x="458459" y="2318451"/>
+            <a:ext cx="3092654" cy="369332"/>
           </a:xfrm>
           <a:prstGeom prst="rect">
             <a:avLst/>
@@ -4260,8 +4229,8 @@
         </p:nvSpPr>
         <p:spPr>
           <a:xfrm>
-            <a:off x="858012" y="4976568"/>
-            <a:ext cx="4056888" cy="369332"/>
+            <a:off x="407669" y="5057845"/>
+            <a:ext cx="1367028" cy="369332"/>
           </a:xfrm>
           <a:prstGeom prst="rect">
             <a:avLst/>
@@ -4296,8 +4265,8 @@
         </p:nvSpPr>
         <p:spPr>
           <a:xfrm>
-            <a:off x="723900" y="7776267"/>
-            <a:ext cx="4056888" cy="369332"/>
+            <a:off x="407669" y="7349744"/>
+            <a:ext cx="2081530" cy="369332"/>
           </a:xfrm>
           <a:prstGeom prst="rect">
             <a:avLst/>
@@ -9763,7 +9732,7 @@
                         <a:defRPr/>
                       </a:pPr>
                       <a:r>
-                        <a:rPr lang="fr-FR" sz="700" b="0" i="0" kern="1200">
+                        <a:rPr lang="fr-FR" sz="700" b="0" i="0" kern="1200" dirty="0">
                           <a:solidFill>
                             <a:schemeClr val="tx1"/>
                           </a:solidFill>
@@ -9776,17 +9745,6 @@
                         </a:rPr>
                         <a:t>&lt;Datesconstatations1&gt;</a:t>
                       </a:r>
-                      <a:endParaRPr lang="fr-FR" sz="700" b="0" i="0" kern="1200" dirty="0">
-                        <a:solidFill>
-                          <a:schemeClr val="tx1"/>
-                        </a:solidFill>
-                        <a:highlight>
-                          <a:srgbClr val="00FFFF"/>
-                        </a:highlight>
-                        <a:latin typeface="+mn-lt"/>
-                        <a:ea typeface="+mn-ea"/>
-                        <a:cs typeface="+mn-cs"/>
-                      </a:endParaRPr>
                     </a:p>
                   </a:txBody>
                   <a:tcPr marL="72000" marR="72000" marT="46800" marB="46800" anchor="ctr" horzOverflow="overflow">
@@ -21109,7 +21067,24 @@
                 <a:ea typeface="+mn-ea"/>
                 <a:cs typeface="+mn-cs"/>
               </a:rPr>
-              <a:t>Les termes « capital » et « capital initial » utilisés dans cette brochure désignent la Valeur Nominale des titres de créance « &lt;NOM&gt; » soit 1 000 EUR multiplié par le nombre de titres. Le montant remboursé est brut, hors frais et fiscalité applicable au cadre d’investissement. Les taux de Rendement Annuel (« TRA ») sont nets de frais de gestion pour les contrats d’assurance vie/capitalisation ou net de droits de garde en compte-titres (en prenant comme hypothèse un taux de frais de gestion ou de droits de garde de 1,00% annuel), mais sans prise en compte des autres frais, de la fiscalité t prélèvements sociaux applicables au cadre d’investissement. Ils sont calculés pour un investissement entre la </a:t>
+              <a:t>Les termes « capital » et « capital initial » utilisés dans cette brochure désignent la Valeur Nominale des titres de créance « &lt;NOM&gt; » soit 1 000 EUR multiplié par le nombre de titres. Le montant remboursé est brut, hors frais et fiscalité applicable au cadre d’investissement. Les taux de Rendement Annuel (« TRA ») sont nets de frais de gestion pour les contrats d’assurance vie/capitalisation ou net de droits de garde en compte-titres (en prenant comme hypothèse un taux de frais de gestion ou de droits de garde de 1,00% annuel), mais sans prise en compte des autres frais, de la fiscalité t prélèvements sociaux applicables au cadre d’investissement. Ils sont calculés pour un investissement entre la &lt;</a:t>
+            </a:r>
+            <a:r>
+              <a:rPr kumimoji="0" lang="fr-FR" sz="800" b="0" i="0" u="none" strike="noStrike" kern="1200" cap="none" spc="0" normalizeH="0" baseline="0" noProof="0" dirty="0" err="1">
+                <a:ln>
+                  <a:noFill/>
+                </a:ln>
+                <a:solidFill>
+                  <a:schemeClr val="tx1"/>
+                </a:solidFill>
+                <a:effectLst/>
+                <a:uLnTx/>
+                <a:uFillTx/>
+                <a:latin typeface="Proxima Nova Rg"/>
+                <a:ea typeface="+mn-ea"/>
+                <a:cs typeface="+mn-cs"/>
+              </a:rPr>
+              <a:t>DDCI_M_B_Strike</a:t>
             </a:r>
             <a:r>
               <a:rPr kumimoji="0" lang="fr-FR" sz="800" b="0" i="0" u="none" strike="noStrike" kern="1200" cap="none" spc="0" normalizeH="0" baseline="0" noProof="0" dirty="0">
@@ -21120,33 +21095,13 @@
                   <a:schemeClr val="tx1"/>
                 </a:solidFill>
                 <a:effectLst/>
-                <a:highlight>
-                  <a:srgbClr val="FF00FF"/>
-                </a:highlight>
                 <a:uLnTx/>
                 <a:uFillTx/>
                 <a:latin typeface="Proxima Nova Rg"/>
                 <a:ea typeface="+mn-ea"/>
                 <a:cs typeface="+mn-cs"/>
               </a:rPr>
-              <a:t>&lt;dernière si strike moyen/best strike</a:t>
-            </a:r>
-            <a:r>
-              <a:rPr kumimoji="0" lang="fr-FR" sz="800" b="0" i="0" u="none" strike="noStrike" kern="1200" cap="none" spc="0" normalizeH="0" baseline="0" noProof="0" dirty="0">
-                <a:ln>
-                  <a:noFill/>
-                </a:ln>
-                <a:solidFill>
-                  <a:schemeClr val="tx1"/>
-                </a:solidFill>
-                <a:effectLst/>
-                <a:uLnTx/>
-                <a:uFillTx/>
-                <a:latin typeface="Proxima Nova Rg"/>
-                <a:ea typeface="+mn-ea"/>
-                <a:cs typeface="+mn-cs"/>
-              </a:rPr>
-              <a:t>&gt;date de constatation initiale</a:t>
+              <a:t>&gt; date de constatation initiale</a:t>
             </a:r>
             <a:r>
               <a:rPr lang="fr-FR" sz="800" baseline="30000" dirty="0">
@@ -22960,7 +22915,24 @@
                 <a:ea typeface="+mn-ea"/>
                 <a:cs typeface="+mn-cs"/>
               </a:rPr>
-              <a:t>Les termes « capital » et « capital initial » utilisés dans cette brochure désignent la Valeur Nominale des titres de créance « &lt;NOM&gt; » soit 1 000 EUR multiplié par le nombre de titres. Le montant remboursé est brut, hors frais et fiscalité applicable au cadre d’investissement. Les taux de Rendement Annuel (« TRA ») sont nets de frais de gestion pour les contrats d’assurance vie/capitalisation ou net de droits de garde en compte-titres (en prenant comme hypothèse un taux de frais de gestion ou de droits de garde de 1,00% annuel), mais sans prise en compte des autres frais, de la fiscalité t prélèvements sociaux applicables au cadre d’investissement. Ils sont calculés pour un investissement entre la </a:t>
+              <a:t>Les termes « capital » et « capital initial » utilisés dans cette brochure désignent la Valeur Nominale des titres de créance « &lt;NOM&gt; » soit 1 000 EUR multiplié par le nombre de titres. Le montant remboursé est brut, hors frais et fiscalité applicable au cadre d’investissement. Les taux de Rendement Annuel (« TRA ») sont nets de frais de gestion pour les contrats d’assurance vie/capitalisation ou net de droits de garde en compte-titres (en prenant comme hypothèse un taux de frais de gestion ou de droits de garde de 1,00% annuel), mais sans prise en compte des autres frais, de la fiscalité t prélèvements sociaux applicables au cadre d’investissement. Ils sont calculés pour un investissement entre la &lt;</a:t>
+            </a:r>
+            <a:r>
+              <a:rPr kumimoji="0" lang="fr-FR" sz="800" b="0" i="0" u="none" strike="noStrike" kern="1200" cap="none" spc="0" normalizeH="0" baseline="0" noProof="0" dirty="0" err="1">
+                <a:ln>
+                  <a:noFill/>
+                </a:ln>
+                <a:solidFill>
+                  <a:schemeClr val="tx1"/>
+                </a:solidFill>
+                <a:effectLst/>
+                <a:uLnTx/>
+                <a:uFillTx/>
+                <a:latin typeface="Proxima Nova Rg"/>
+                <a:ea typeface="+mn-ea"/>
+                <a:cs typeface="+mn-cs"/>
+              </a:rPr>
+              <a:t>DDCI_M_B_Strike</a:t>
             </a:r>
             <a:r>
               <a:rPr kumimoji="0" lang="fr-FR" sz="800" b="0" i="0" u="none" strike="noStrike" kern="1200" cap="none" spc="0" normalizeH="0" baseline="0" noProof="0" dirty="0">
@@ -22971,33 +22943,13 @@
                   <a:schemeClr val="tx1"/>
                 </a:solidFill>
                 <a:effectLst/>
-                <a:highlight>
-                  <a:srgbClr val="FF00FF"/>
-                </a:highlight>
                 <a:uLnTx/>
                 <a:uFillTx/>
                 <a:latin typeface="Proxima Nova Rg"/>
                 <a:ea typeface="+mn-ea"/>
                 <a:cs typeface="+mn-cs"/>
               </a:rPr>
-              <a:t>&lt;dernière si strike moyen/best strike</a:t>
-            </a:r>
-            <a:r>
-              <a:rPr kumimoji="0" lang="fr-FR" sz="800" b="0" i="0" u="none" strike="noStrike" kern="1200" cap="none" spc="0" normalizeH="0" baseline="0" noProof="0" dirty="0">
-                <a:ln>
-                  <a:noFill/>
-                </a:ln>
-                <a:solidFill>
-                  <a:schemeClr val="tx1"/>
-                </a:solidFill>
-                <a:effectLst/>
-                <a:uLnTx/>
-                <a:uFillTx/>
-                <a:latin typeface="Proxima Nova Rg"/>
-                <a:ea typeface="+mn-ea"/>
-                <a:cs typeface="+mn-cs"/>
-              </a:rPr>
-              <a:t>&gt;date de constatation initiale</a:t>
+              <a:t>&gt; date de constatation initiale</a:t>
             </a:r>
             <a:r>
               <a:rPr lang="fr-FR" sz="800" baseline="30000" dirty="0">
@@ -29967,38 +29919,7 @@
             </a:pPr>
             <a:r>
               <a:rPr lang="fr-FR" sz="800" dirty="0"/>
-              <a:t>par &lt;SJR1&gt; entre le </a:t>
-            </a:r>
-            <a:r>
-              <a:rPr lang="fr-FR" sz="800" dirty="0">
-                <a:solidFill>
-                  <a:schemeClr val="tx2"/>
-                </a:solidFill>
-              </a:rPr>
-              <a:t>&lt;N</a:t>
-            </a:r>
-            <a:r>
-              <a:rPr lang="fr-FR" sz="800" dirty="0">
-                <a:solidFill>
-                  <a:schemeClr val="tx2"/>
-                </a:solidFill>
-                <a:highlight>
-                  <a:srgbClr val="FF00FF"/>
-                </a:highlight>
-              </a:rPr>
-              <a:t>DR</a:t>
-            </a:r>
-            <a:r>
-              <a:rPr lang="fr-FR" sz="800" dirty="0">
-                <a:solidFill>
-                  <a:schemeClr val="tx2"/>
-                </a:solidFill>
-              </a:rPr>
-              <a:t>&gt; </a:t>
-            </a:r>
-            <a:r>
-              <a:rPr lang="fr-FR" sz="800" dirty="0"/>
-              <a:t>et son niveau de clôture le &lt;DCF&gt;</a:t>
+              <a:t>par &lt;SJR1&gt; entre le &lt;NDR&gt; et son niveau de clôture le &lt;DCF&gt;</a:t>
             </a:r>
           </a:p>
           <a:p>
@@ -31491,26 +31412,7 @@
                   <a:srgbClr val="000000"/>
                 </a:solidFill>
               </a:rPr>
-              <a:t>et l’investisseur récupère alors l’intégralité de son capital initial, majorée d’un &lt;</a:t>
-            </a:r>
-            <a:r>
-              <a:rPr lang="fr-FR" sz="800" dirty="0">
-                <a:solidFill>
-                  <a:srgbClr val="000000"/>
-                </a:solidFill>
-                <a:highlight>
-                  <a:srgbClr val="FF00FF"/>
-                </a:highlight>
-              </a:rPr>
-              <a:t>GC</a:t>
-            </a:r>
-            <a:r>
-              <a:rPr lang="fr-FR" sz="800" dirty="0">
-                <a:solidFill>
-                  <a:srgbClr val="000000"/>
-                </a:solidFill>
-              </a:rPr>
-              <a:t>&gt; de &lt;CPN&gt; par &lt;F0&gt; &lt;F2&gt; depuis le &lt;DDCI&gt; (soit &lt;GCA&gt;</a:t>
+              <a:t>et l’investisseur récupère alors l’intégralité de son capital initial, majorée d’un &lt;GC&gt; de &lt;CPN&gt; par &lt;F0&gt; &lt;F2&gt; depuis le &lt;DDCI&gt; (soit &lt;GCA&gt;</a:t>
             </a:r>
             <a:r>
               <a:rPr lang="fr-FR" sz="800" i="1" dirty="0">
@@ -32225,26 +32127,12 @@
               <a:buChar char="•"/>
             </a:pPr>
             <a:r>
-              <a:rPr lang="fr-FR" sz="800" b="1" dirty="0">
+              <a:rPr lang="fr-FR" sz="800" dirty="0">
                 <a:solidFill>
                   <a:srgbClr val="000000"/>
                 </a:solidFill>
-                <a:highlight>
-                  <a:srgbClr val="FF00FF"/>
-                </a:highlight>
-              </a:rPr>
-              <a:t>Risque lié au sous-jacent : </a:t>
-            </a:r>
-            <a:r>
-              <a:rPr lang="fr-FR" sz="800" dirty="0">
-                <a:solidFill>
-                  <a:srgbClr val="000000"/>
-                </a:solidFill>
-                <a:highlight>
-                  <a:srgbClr val="FF00FF"/>
-                </a:highlight>
-              </a:rPr>
-              <a:t>Le mécanisme de remboursement est lié à l’évolution du &lt;SJR3&gt; &lt;SJR7&gt; et donc à l’évolution des marchés actions.</a:t>
+              </a:rPr>
+              <a:t>Risque lié au sous-jacent : Le mécanisme de remboursement est lié à l’évolution du &lt;SJR3&gt; &lt;SJR7&gt; et donc à l’évolution des marchés actions.</a:t>
             </a:r>
           </a:p>
           <a:p>
@@ -32259,81 +32147,12 @@
               <a:buChar char="•"/>
             </a:pPr>
             <a:r>
-              <a:rPr lang="fr-FR" sz="800" b="1" dirty="0">
+              <a:rPr lang="fr-FR" sz="800" dirty="0">
                 <a:solidFill>
                   <a:srgbClr val="000000"/>
                 </a:solidFill>
-                <a:highlight>
-                  <a:srgbClr val="FF00FF"/>
-                </a:highlight>
-              </a:rPr>
-              <a:t>Risque découlant de la nature du support : </a:t>
-            </a:r>
-            <a:r>
-              <a:rPr lang="fr-FR" sz="800" dirty="0">
-                <a:solidFill>
-                  <a:srgbClr val="000000"/>
-                </a:solidFill>
-                <a:highlight>
-                  <a:srgbClr val="FF00FF"/>
-                </a:highlight>
-              </a:rPr>
-              <a:t>En cas de revente du produit avant l’échéance ou, selon le cas, à la date de remboursement anticipé automatique</a:t>
-            </a:r>
-            <a:r>
-              <a:rPr lang="fr-FR" sz="800" baseline="30000" dirty="0">
-                <a:solidFill>
-                  <a:srgbClr val="000000"/>
-                </a:solidFill>
-                <a:highlight>
-                  <a:srgbClr val="FF00FF"/>
-                </a:highlight>
-              </a:rPr>
-              <a:t>(1)</a:t>
-            </a:r>
-            <a:r>
-              <a:rPr lang="fr-FR" sz="800" dirty="0">
-                <a:solidFill>
-                  <a:srgbClr val="000000"/>
-                </a:solidFill>
-                <a:highlight>
-                  <a:srgbClr val="FF00FF"/>
-                </a:highlight>
-              </a:rPr>
-              <a:t>, alors que les conditions de remboursement anticipé automatique ne sont pas remplies, il est impossible de mesurer a priori le gain ou la perte possibles, le prix pratiqué dépendant alors des conditions de marché en vigueur. Si le cadre d’investissement du produit est un contrat d’assurance vie ou de capitalisation, le dénouement (notamment par rachat ou décès de l’assuré), l’arbitrage ou le rachat partiel de celui-ci peuvent entraîner le désinvestissement des unités de compte adossées aux titres avant leur dates d’échéance</a:t>
-            </a:r>
-            <a:r>
-              <a:rPr lang="fr-FR" sz="800" baseline="30000" dirty="0">
-                <a:solidFill>
-                  <a:srgbClr val="000000"/>
-                </a:solidFill>
-                <a:highlight>
-                  <a:srgbClr val="FF00FF"/>
-                </a:highlight>
-              </a:rPr>
-              <a:t>(1)</a:t>
-            </a:r>
-            <a:r>
-              <a:rPr lang="fr-FR" sz="800" dirty="0">
-                <a:solidFill>
-                  <a:srgbClr val="000000"/>
-                </a:solidFill>
-                <a:highlight>
-                  <a:srgbClr val="FF00FF"/>
-                </a:highlight>
-              </a:rPr>
-              <a:t>. Ainsi, le montant remboursé pourra être très différent (inférieur ou supérieur) du montant résultant de l’application de la formule annoncée. </a:t>
-            </a:r>
-            <a:r>
-              <a:rPr lang="fr-FR" sz="800" b="1" dirty="0">
-                <a:solidFill>
-                  <a:srgbClr val="000000"/>
-                </a:solidFill>
-                <a:highlight>
-                  <a:srgbClr val="FF00FF"/>
-                </a:highlight>
-              </a:rPr>
-              <a:t>Il existe donc un risque de perte en capital partielle ou totale. Il est précisé que l’Assureur, d'une part, l'Emetteur et le Garant de la formule d'autre part sont des entités juridiques indépendantes.</a:t>
+              </a:rPr>
+              <a:t>Risque découlant de la nature du support : En cas de revente du produit avant l’échéance ou, selon le cas, à la date de remboursement anticipé automatique(1), alors que les conditions de remboursement anticipé automatique ne sont pas remplies, il est impossible de mesurer a priori le gain ou la perte possibles, le prix pratiqué dépendant alors des conditions de marché en vigueur. Si le cadre d’investissement du produit est un contrat d’assurance vie ou de capitalisation, le dénouement (notamment par rachat ou décès de l’assuré), l’arbitrage ou le rachat partiel de celui-ci peuvent entraîner le désinvestissement des unités de compte adossées aux titres avant leur dates d’échéance(1). Ainsi, le montant remboursé pourra être très différent (inférieur ou supérieur) du montant résultant de l’application de la formule annoncée. Il existe donc un risque de perte en capital partielle ou totale. Il est précisé que l’Assureur, d'une part, l'Emetteur et le Garant de la formule d'autre part sont des entités juridiques indépendantes.</a:t>
             </a:r>
           </a:p>
         </p:txBody>
@@ -33660,11 +33479,6 @@
               </a:rPr>
               <a:t> Suisse. Les conflits d’intérêts qui peuvent être engendrés seront gérés conformément à la réglementation applicable. </a:t>
             </a:r>
-            <a:endParaRPr lang="fr-FR" sz="800" b="1" dirty="0">
-              <a:solidFill>
-                <a:srgbClr val="000000"/>
-              </a:solidFill>
-            </a:endParaRPr>
           </a:p>
           <a:p>
             <a:pPr marL="171450" indent="-171450" algn="just">
@@ -33678,35 +33492,13 @@
               <a:buChar char="•"/>
             </a:pPr>
             <a:r>
-              <a:rPr lang="fr-FR" sz="800" b="1" dirty="0">
+              <a:rPr lang="fr-FR" sz="800" dirty="0">
                 <a:solidFill>
                   <a:srgbClr val="000000"/>
                 </a:solidFill>
-                <a:highlight>
-                  <a:srgbClr val="FF00FF"/>
-                </a:highlight>
-              </a:rPr>
-              <a:t>Exposition à la performance de l’indice sous-jacent. </a:t>
-            </a:r>
-            <a:r>
-              <a:rPr lang="fr-FR" sz="800" dirty="0">
-                <a:solidFill>
-                  <a:srgbClr val="000000"/>
-                </a:solidFill>
-                <a:highlight>
-                  <a:srgbClr val="FF00FF"/>
-                </a:highlight>
-              </a:rPr>
-              <a:t>La performance des actions composants l’indice dépend de facteurs macroéconomiques liés aux actions contenues dans l’indice, dont certains niveaux d’intérêt et de prix sur les marchés de capitaux, des variations de change, des facteurs politiques et des facteurs propres aux entreprises, tels que la situation financière, la situation commerciale, la situation en matière de risque, la structure de l’actionnariat et la politique en matière de distributions. En outre, le sponsor de l’indice peut modifier les composants dudit indice ou apporter d’autres changements d’ordre méthodologique susceptibles de changer le niveau d’un ou plusieurs composants. Ces modifications peuvent avoir un impact négatif sur le niveau dudit indice, et nuire ainsi à la valeur et au rendement du produit. &lt;SI INDICE&gt;</a:t>
-            </a:r>
-            <a:endParaRPr lang="fr-FR" sz="800" b="1" dirty="0">
-              <a:solidFill>
-                <a:srgbClr val="000000"/>
-              </a:solidFill>
-              <a:highlight>
-                <a:srgbClr val="FF00FF"/>
-              </a:highlight>
-            </a:endParaRPr>
+              </a:rPr>
+              <a:t>Exposition à la performance de l’indice sous-jacent. La performance des actions composants l’indice dépend de facteurs macroéconomiques liés aux actions contenues dans l’indice, dont certains niveaux d’intérêt et de prix sur les marchés de capitaux, des variations de change, des facteurs politiques et des facteurs propres aux entreprises, tels que la situation financière, la situation commerciale, la situation en matière de risque, la structure de l’actionnariat et la politique en matière de distributions. En outre, le sponsor de l’indice peut modifier les composants dudit indice ou apporter d’autres changements d’ordre méthodologique susceptibles de changer le niveau d’un ou plusieurs composants. Ces modifications peuvent avoir un impact négatif sur le niveau dudit indice, et nuire ainsi à la valeur et au rendement du produit. &lt;SI INDICE&gt;</a:t>
+            </a:r>
           </a:p>
           <a:p>
             <a:pPr marL="171450" indent="-171450" algn="just">
@@ -33720,57 +33512,29 @@
               <a:buChar char="•"/>
             </a:pPr>
             <a:r>
-              <a:rPr lang="fr-FR" sz="800" b="1" dirty="0">
+              <a:rPr lang="fr-FR" sz="800" dirty="0">
                 <a:solidFill>
                   <a:srgbClr val="000000"/>
                 </a:solidFill>
-                <a:highlight>
-                  <a:srgbClr val="FF00FF"/>
-                </a:highlight>
               </a:rPr>
               <a:t>Risques liés aux indices « </a:t>
             </a:r>
             <a:r>
-              <a:rPr lang="fr-FR" sz="800" b="1" dirty="0" err="1">
+              <a:rPr lang="fr-FR" sz="800" dirty="0" err="1">
                 <a:solidFill>
                   <a:srgbClr val="000000"/>
                 </a:solidFill>
-                <a:highlight>
-                  <a:srgbClr val="FF00FF"/>
-                </a:highlight>
               </a:rPr>
               <a:t>Decrement</a:t>
             </a:r>
             <a:r>
-              <a:rPr lang="fr-FR" sz="800" b="1" dirty="0">
+              <a:rPr lang="fr-FR" sz="800" dirty="0">
                 <a:solidFill>
                   <a:srgbClr val="000000"/>
                 </a:solidFill>
-                <a:highlight>
-                  <a:srgbClr val="FF00FF"/>
-                </a:highlight>
-              </a:rPr>
-              <a:t> » en points d’indice : </a:t>
-            </a:r>
-            <a:r>
-              <a:rPr lang="fr-FR" sz="800" dirty="0">
-                <a:solidFill>
-                  <a:srgbClr val="000000"/>
-                </a:solidFill>
-                <a:highlight>
-                  <a:srgbClr val="FF00FF"/>
-                </a:highlight>
-              </a:rPr>
-              <a:t>Un montant prédéterminé (dividende synthétique) étant périodiquement déduit du niveau de l’indice sous-jacent, celui-ci sous-performa l’indice correspondant dividendes réinvestis sans retranchement. En outre, l’indice sous-jacent aura une performance différente de celle de l’indice correspondant dividendes non-réinvestis, de sorte que si le niveau de dividende synthétique est supérieur au niveau de dividende réalisé, l’indice sous-jacent sous performera l’indice correspondant dividendes non réinvestis. Enfin, le dividende synthétique prélevé étant exprimé en points d'indice, le rendement du dividende synthétique augmentera dans uns scénario de marché négatif. Ainsi, la sous-performance de l’indice sera accélérée en cas de baisse du niveau de l’indice. SI INDICE DECREMENT</a:t>
-            </a:r>
-            <a:endParaRPr lang="fr-FR" sz="800" b="1" dirty="0">
-              <a:solidFill>
-                <a:srgbClr val="000000"/>
-              </a:solidFill>
-              <a:highlight>
-                <a:srgbClr val="FF00FF"/>
-              </a:highlight>
-            </a:endParaRPr>
+              </a:rPr>
+              <a:t> » en points d’indice : Un montant prédéterminé (dividende synthétique) étant périodiquement déduit du niveau de l’indice sous-jacent, celui-ci sous-performa l’indice correspondant dividendes réinvestis sans retranchement. En outre, l’indice sous-jacent aura une performance différente de celle de l’indice correspondant dividendes non-réinvestis, de sorte que si le niveau de dividende synthétique est supérieur au niveau de dividende réalisé, l’indice sous-jacent sous performera l’indice correspondant dividendes non réinvestis. Enfin, le dividende synthétique prélevé étant exprimé en points d'indice, le rendement du dividende synthétique augmentera dans uns scénario de marché négatif. Ainsi, la sous-performance de l’indice sera accélérée en cas de baisse du niveau de l’indice. SI INDICE DECREMENT</a:t>
+            </a:r>
           </a:p>
         </p:txBody>
       </p:sp>
@@ -36122,15 +35886,6 @@
 </file>
 
 <file path=customXml/item1.xml><?xml version="1.0" encoding="utf-8"?>
-<?mso-contentType ?>
-<FormTemplates xmlns="http://schemas.microsoft.com/sharepoint/v3/contenttype/forms">
-  <Display>DocumentLibraryForm</Display>
-  <Edit>DocumentLibraryForm</Edit>
-  <New>DocumentLibraryForm</New>
-</FormTemplates>
-</file>
-
-<file path=customXml/item2.xml><?xml version="1.0" encoding="utf-8"?>
 <p:properties xmlns:p="http://schemas.microsoft.com/office/2006/metadata/properties" xmlns:xsi="http://www.w3.org/2001/XMLSchema-instance" xmlns:pc="http://schemas.microsoft.com/office/infopath/2007/PartnerControls">
   <documentManagement>
     <_Flow_SignoffStatus xmlns="ef624bc2-1644-4d69-8362-5c28ca496374" xsi:nil="true"/>
@@ -36140,6 +35895,15 @@
     </lcf76f155ced4ddcb4097134ff3c332f>
   </documentManagement>
 </p:properties>
+</file>
+
+<file path=customXml/item2.xml><?xml version="1.0" encoding="utf-8"?>
+<?mso-contentType ?>
+<FormTemplates xmlns="http://schemas.microsoft.com/sharepoint/v3/contenttype/forms">
+  <Display>DocumentLibraryForm</Display>
+  <Edit>DocumentLibraryForm</Edit>
+  <New>DocumentLibraryForm</New>
+</FormTemplates>
 </file>
 
 <file path=customXml/item3.xml><?xml version="1.0" encoding="utf-8"?>
@@ -36392,14 +36156,6 @@
 </file>
 
 <file path=customXml/itemProps1.xml><?xml version="1.0" encoding="utf-8"?>
-<ds:datastoreItem xmlns:ds="http://schemas.openxmlformats.org/officeDocument/2006/customXml" ds:itemID="{B00FC41E-FBDE-42E2-B58A-20EBD240A376}">
-  <ds:schemaRefs>
-    <ds:schemaRef ds:uri="http://schemas.microsoft.com/sharepoint/v3/contenttype/forms"/>
-  </ds:schemaRefs>
-</ds:datastoreItem>
-</file>
-
-<file path=customXml/itemProps2.xml><?xml version="1.0" encoding="utf-8"?>
 <ds:datastoreItem xmlns:ds="http://schemas.openxmlformats.org/officeDocument/2006/customXml" ds:itemID="{25DE574B-2CD2-4078-9BEA-2A14717D9698}">
   <ds:schemaRefs>
     <ds:schemaRef ds:uri="514a554b-82b0-4359-b247-fc84018a95f0"/>
@@ -36416,6 +36172,29 @@
 </ds:datastoreItem>
 </file>
 
+<file path=customXml/itemProps2.xml><?xml version="1.0" encoding="utf-8"?>
+<ds:datastoreItem xmlns:ds="http://schemas.openxmlformats.org/officeDocument/2006/customXml" ds:itemID="{B00FC41E-FBDE-42E2-B58A-20EBD240A376}">
+  <ds:schemaRefs>
+    <ds:schemaRef ds:uri="http://schemas.microsoft.com/sharepoint/v3/contenttype/forms"/>
+  </ds:schemaRefs>
+</ds:datastoreItem>
+</file>
+
 <file path=customXml/itemProps3.xml><?xml version="1.0" encoding="utf-8"?>
-<ds:datastoreItem xmlns:ds="http://schemas.openxmlformats.org/officeDocument/2006/customXml" ds:itemID="{1952AB1B-D807-48E4-B821-205D428E3F5C}"/>
+<ds:datastoreItem xmlns:ds="http://schemas.openxmlformats.org/officeDocument/2006/customXml" ds:itemID="{1952AB1B-D807-48E4-B821-205D428E3F5C}">
+  <ds:schemaRefs>
+    <ds:schemaRef ds:uri="http://schemas.microsoft.com/office/2006/metadata/contentType"/>
+    <ds:schemaRef ds:uri="http://schemas.microsoft.com/office/2006/metadata/properties/metaAttributes"/>
+    <ds:schemaRef ds:uri="http://www.w3.org/2001/XMLSchema"/>
+    <ds:schemaRef ds:uri="http://schemas.microsoft.com/office/2006/metadata/properties"/>
+    <ds:schemaRef ds:uri="ef624bc2-1644-4d69-8362-5c28ca496374"/>
+    <ds:schemaRef ds:uri="514a554b-82b0-4359-b247-fc84018a95f0"/>
+    <ds:schemaRef ds:uri="http://schemas.microsoft.com/office/2006/documentManagement/types"/>
+    <ds:schemaRef ds:uri="http://schemas.microsoft.com/office/infopath/2007/PartnerControls"/>
+    <ds:schemaRef ds:uri="http://schemas.openxmlformats.org/package/2006/metadata/core-properties"/>
+    <ds:schemaRef ds:uri="http://purl.org/dc/elements/1.1/"/>
+    <ds:schemaRef ds:uri="http://purl.org/dc/terms/"/>
+    <ds:schemaRef ds:uri="http://schemas.microsoft.com/internal/obd"/>
+  </ds:schemaRefs>
+</ds:datastoreItem>
 </file>
--- a/Templates/SG.pptx
+++ b/Templates/SG.pptx
@@ -238,7 +238,7 @@
           <a:p>
             <a:fld id="{515CCE07-1711-4DC7-A7D8-7ED312C82FB8}" type="datetimeFigureOut">
               <a:rPr lang="fr-FR" smtClean="0"/>
-              <a:t>27/06/2022</a:t>
+              <a:t>28/06/2022</a:t>
             </a:fld>
             <a:endParaRPr lang="fr-FR"/>
           </a:p>
@@ -403,7 +403,7 @@
           <a:p>
             <a:fld id="{014ABEAC-8B63-4BD1-9569-A14EB8752A94}" type="datetimeFigureOut">
               <a:rPr lang="fr-FR" smtClean="0"/>
-              <a:t>27/06/2022</a:t>
+              <a:t>28/06/2022</a:t>
             </a:fld>
             <a:endParaRPr lang="fr-FR"/>
           </a:p>
@@ -6318,7 +6318,7 @@
           <p:nvPr>
             <p:extLst>
               <p:ext uri="{D42A27DB-BD31-4B8C-83A1-F6EECF244321}">
-                <p14:modId xmlns:p14="http://schemas.microsoft.com/office/powerpoint/2010/main" val="3416251737"/>
+                <p14:modId xmlns:p14="http://schemas.microsoft.com/office/powerpoint/2010/main" val="4207642883"/>
               </p:ext>
             </p:extLst>
           </p:nvPr>
@@ -11405,17 +11405,14 @@
                         <a:buNone/>
                         <a:tabLst/>
                       </a:pPr>
-                      <a:r>
-                        <a:rPr lang="fr-FR" sz="700" b="0" i="0" kern="1200" dirty="0">
-                          <a:solidFill>
-                            <a:schemeClr val="tx1"/>
-                          </a:solidFill>
-                          <a:latin typeface="+mn-lt"/>
-                          <a:ea typeface="+mn-ea"/>
-                          <a:cs typeface="+mn-cs"/>
-                        </a:rPr>
-                        <a:t>&lt;OUI SI APE/ NON SINON&gt;</a:t>
-                      </a:r>
+                      <a:endParaRPr lang="fr-FR" sz="700" b="0" i="0" kern="1200" dirty="0">
+                        <a:solidFill>
+                          <a:schemeClr val="tx1"/>
+                        </a:solidFill>
+                        <a:latin typeface="+mn-lt"/>
+                        <a:ea typeface="+mn-ea"/>
+                        <a:cs typeface="+mn-cs"/>
+                      </a:endParaRPr>
                     </a:p>
                   </a:txBody>
                   <a:tcPr marT="46800" marB="46800" anchor="ctr" horzOverflow="overflow">
@@ -34981,7 +34978,7 @@
                   <a:schemeClr val="tx2"/>
                 </a:solidFill>
               </a:rPr>
-              <a:t>(&lt;NSF&gt; dans cet exemple). Le produit est automatiquement remboursé par anticipation. Il verse alors l’intégralité du capital initial majorée d’un &lt;GC&gt; de &lt;CPN&gt; par &lt;F0&gt; &lt;F2&gt; depuis le &lt;DDCI&gt;, soit un gain de &lt;GCA&gt; dans notre exemple.</a:t>
+              <a:t>(&lt;NSF&gt; dans cet exemple). Le produit est automatiquement remboursé par anticipation. Il verse alors l’intégralité du capital initial majorée d’un &lt;GC&gt; de &lt;CPN&gt; par &lt;F0&gt; &lt;F2&gt; depuis le &lt;DDCI&gt;, soit un gain de &lt;CPR1&gt; dans notre exemple.</a:t>
             </a:r>
           </a:p>
           <a:p>
@@ -35886,27 +35883,6 @@
 </file>
 
 <file path=customXml/item1.xml><?xml version="1.0" encoding="utf-8"?>
-<p:properties xmlns:p="http://schemas.microsoft.com/office/2006/metadata/properties" xmlns:xsi="http://www.w3.org/2001/XMLSchema-instance" xmlns:pc="http://schemas.microsoft.com/office/infopath/2007/PartnerControls">
-  <documentManagement>
-    <_Flow_SignoffStatus xmlns="ef624bc2-1644-4d69-8362-5c28ca496374" xsi:nil="true"/>
-    <TaxCatchAll xmlns="514a554b-82b0-4359-b247-fc84018a95f0" xsi:nil="true"/>
-    <lcf76f155ced4ddcb4097134ff3c332f xmlns="ef624bc2-1644-4d69-8362-5c28ca496374">
-      <Terms xmlns="http://schemas.microsoft.com/office/infopath/2007/PartnerControls"/>
-    </lcf76f155ced4ddcb4097134ff3c332f>
-  </documentManagement>
-</p:properties>
-</file>
-
-<file path=customXml/item2.xml><?xml version="1.0" encoding="utf-8"?>
-<?mso-contentType ?>
-<FormTemplates xmlns="http://schemas.microsoft.com/sharepoint/v3/contenttype/forms">
-  <Display>DocumentLibraryForm</Display>
-  <Edit>DocumentLibraryForm</Edit>
-  <New>DocumentLibraryForm</New>
-</FormTemplates>
-</file>
-
-<file path=customXml/item3.xml><?xml version="1.0" encoding="utf-8"?>
 <ct:contentTypeSchema xmlns:ct="http://schemas.microsoft.com/office/2006/metadata/contentType" xmlns:ma="http://schemas.microsoft.com/office/2006/metadata/properties/metaAttributes" ct:_="" ma:_="" ma:contentTypeName="Document" ma:contentTypeID="0x0101005DDE610BC516E448BB8152259F39635A" ma:contentTypeVersion="17" ma:contentTypeDescription="Crée un document." ma:contentTypeScope="" ma:versionID="bfb75e103009df80b8e5001438c41194">
   <xsd:schema xmlns:xsd="http://www.w3.org/2001/XMLSchema" xmlns:xs="http://www.w3.org/2001/XMLSchema" xmlns:p="http://schemas.microsoft.com/office/2006/metadata/properties" xmlns:ns2="ef624bc2-1644-4d69-8362-5c28ca496374" xmlns:ns3="514a554b-82b0-4359-b247-fc84018a95f0" targetNamespace="http://schemas.microsoft.com/office/2006/metadata/properties" ma:root="true" ma:fieldsID="2ae3df86d13efbb4a35042af2564d386" ns2:_="" ns3:_="">
     <xsd:import namespace="ef624bc2-1644-4d69-8362-5c28ca496374"/>
@@ -36155,7 +36131,47 @@
 </ct:contentTypeSchema>
 </file>
 
+<file path=customXml/item2.xml><?xml version="1.0" encoding="utf-8"?>
+<p:properties xmlns:p="http://schemas.microsoft.com/office/2006/metadata/properties" xmlns:xsi="http://www.w3.org/2001/XMLSchema-instance" xmlns:pc="http://schemas.microsoft.com/office/infopath/2007/PartnerControls">
+  <documentManagement>
+    <_Flow_SignoffStatus xmlns="ef624bc2-1644-4d69-8362-5c28ca496374" xsi:nil="true"/>
+    <TaxCatchAll xmlns="514a554b-82b0-4359-b247-fc84018a95f0" xsi:nil="true"/>
+    <lcf76f155ced4ddcb4097134ff3c332f xmlns="ef624bc2-1644-4d69-8362-5c28ca496374">
+      <Terms xmlns="http://schemas.microsoft.com/office/infopath/2007/PartnerControls"/>
+    </lcf76f155ced4ddcb4097134ff3c332f>
+  </documentManagement>
+</p:properties>
+</file>
+
+<file path=customXml/item3.xml><?xml version="1.0" encoding="utf-8"?>
+<?mso-contentType ?>
+<FormTemplates xmlns="http://schemas.microsoft.com/sharepoint/v3/contenttype/forms">
+  <Display>DocumentLibraryForm</Display>
+  <Edit>DocumentLibraryForm</Edit>
+  <New>DocumentLibraryForm</New>
+</FormTemplates>
+</file>
+
 <file path=customXml/itemProps1.xml><?xml version="1.0" encoding="utf-8"?>
+<ds:datastoreItem xmlns:ds="http://schemas.openxmlformats.org/officeDocument/2006/customXml" ds:itemID="{1952AB1B-D807-48E4-B821-205D428E3F5C}">
+  <ds:schemaRefs>
+    <ds:schemaRef ds:uri="http://schemas.microsoft.com/office/2006/metadata/contentType"/>
+    <ds:schemaRef ds:uri="http://schemas.microsoft.com/office/2006/metadata/properties/metaAttributes"/>
+    <ds:schemaRef ds:uri="http://www.w3.org/2001/XMLSchema"/>
+    <ds:schemaRef ds:uri="http://schemas.microsoft.com/office/2006/metadata/properties"/>
+    <ds:schemaRef ds:uri="ef624bc2-1644-4d69-8362-5c28ca496374"/>
+    <ds:schemaRef ds:uri="514a554b-82b0-4359-b247-fc84018a95f0"/>
+    <ds:schemaRef ds:uri="http://schemas.microsoft.com/office/2006/documentManagement/types"/>
+    <ds:schemaRef ds:uri="http://schemas.microsoft.com/office/infopath/2007/PartnerControls"/>
+    <ds:schemaRef ds:uri="http://schemas.openxmlformats.org/package/2006/metadata/core-properties"/>
+    <ds:schemaRef ds:uri="http://purl.org/dc/elements/1.1/"/>
+    <ds:schemaRef ds:uri="http://purl.org/dc/terms/"/>
+    <ds:schemaRef ds:uri="http://schemas.microsoft.com/internal/obd"/>
+  </ds:schemaRefs>
+</ds:datastoreItem>
+</file>
+
+<file path=customXml/itemProps2.xml><?xml version="1.0" encoding="utf-8"?>
 <ds:datastoreItem xmlns:ds="http://schemas.openxmlformats.org/officeDocument/2006/customXml" ds:itemID="{25DE574B-2CD2-4078-9BEA-2A14717D9698}">
   <ds:schemaRefs>
     <ds:schemaRef ds:uri="514a554b-82b0-4359-b247-fc84018a95f0"/>
@@ -36172,29 +36188,10 @@
 </ds:datastoreItem>
 </file>
 
-<file path=customXml/itemProps2.xml><?xml version="1.0" encoding="utf-8"?>
+<file path=customXml/itemProps3.xml><?xml version="1.0" encoding="utf-8"?>
 <ds:datastoreItem xmlns:ds="http://schemas.openxmlformats.org/officeDocument/2006/customXml" ds:itemID="{B00FC41E-FBDE-42E2-B58A-20EBD240A376}">
   <ds:schemaRefs>
     <ds:schemaRef ds:uri="http://schemas.microsoft.com/sharepoint/v3/contenttype/forms"/>
   </ds:schemaRefs>
 </ds:datastoreItem>
-</file>
-
-<file path=customXml/itemProps3.xml><?xml version="1.0" encoding="utf-8"?>
-<ds:datastoreItem xmlns:ds="http://schemas.openxmlformats.org/officeDocument/2006/customXml" ds:itemID="{1952AB1B-D807-48E4-B821-205D428E3F5C}">
-  <ds:schemaRefs>
-    <ds:schemaRef ds:uri="http://schemas.microsoft.com/office/2006/metadata/contentType"/>
-    <ds:schemaRef ds:uri="http://schemas.microsoft.com/office/2006/metadata/properties/metaAttributes"/>
-    <ds:schemaRef ds:uri="http://www.w3.org/2001/XMLSchema"/>
-    <ds:schemaRef ds:uri="http://schemas.microsoft.com/office/2006/metadata/properties"/>
-    <ds:schemaRef ds:uri="ef624bc2-1644-4d69-8362-5c28ca496374"/>
-    <ds:schemaRef ds:uri="514a554b-82b0-4359-b247-fc84018a95f0"/>
-    <ds:schemaRef ds:uri="http://schemas.microsoft.com/office/2006/documentManagement/types"/>
-    <ds:schemaRef ds:uri="http://schemas.microsoft.com/office/infopath/2007/PartnerControls"/>
-    <ds:schemaRef ds:uri="http://schemas.openxmlformats.org/package/2006/metadata/core-properties"/>
-    <ds:schemaRef ds:uri="http://purl.org/dc/elements/1.1/"/>
-    <ds:schemaRef ds:uri="http://purl.org/dc/terms/"/>
-    <ds:schemaRef ds:uri="http://schemas.microsoft.com/internal/obd"/>
-  </ds:schemaRefs>
-</ds:datastoreItem>
 </file>
--- a/Templates/SG.pptx
+++ b/Templates/SG.pptx
@@ -238,7 +238,7 @@
           <a:p>
             <a:fld id="{515CCE07-1711-4DC7-A7D8-7ED312C82FB8}" type="datetimeFigureOut">
               <a:rPr lang="fr-FR" smtClean="0"/>
-              <a:t>28/06/2022</a:t>
+              <a:t>11/07/2022</a:t>
             </a:fld>
             <a:endParaRPr lang="fr-FR"/>
           </a:p>
@@ -403,7 +403,7 @@
           <a:p>
             <a:fld id="{014ABEAC-8B63-4BD1-9569-A14EB8752A94}" type="datetimeFigureOut">
               <a:rPr lang="fr-FR" smtClean="0"/>
-              <a:t>28/06/2022</a:t>
+              <a:t>11/07/2022</a:t>
             </a:fld>
             <a:endParaRPr lang="fr-FR"/>
           </a:p>
@@ -2006,16 +2006,12 @@
               <a:t>Durée d’investissement conseillée : </a:t>
             </a:r>
             <a:r>
-              <a:rPr lang="fr-FR" sz="800" b="1" dirty="0"/>
-              <a:t>&lt;DIC&gt;</a:t>
-            </a:r>
-            <a:r>
-              <a:rPr lang="fr-FR" sz="800" b="1" dirty="0">
-                <a:solidFill>
-                  <a:srgbClr val="B9A049"/>
-                </a:solidFill>
-              </a:rPr>
-              <a:t> </a:t>
+              <a:rPr lang="fr-FR" sz="800" b="1" cap="none" dirty="0">
+                <a:solidFill>
+                  <a:schemeClr val="tx2"/>
+                </a:solidFill>
+              </a:rPr>
+              <a:t>&lt;DIC&gt; </a:t>
             </a:r>
             <a:r>
               <a:rPr lang="fr-FR" sz="800" cap="none" dirty="0">
@@ -35883,6 +35879,18 @@
 </file>
 
 <file path=customXml/item1.xml><?xml version="1.0" encoding="utf-8"?>
+<p:properties xmlns:p="http://schemas.microsoft.com/office/2006/metadata/properties" xmlns:xsi="http://www.w3.org/2001/XMLSchema-instance" xmlns:pc="http://schemas.microsoft.com/office/infopath/2007/PartnerControls">
+  <documentManagement>
+    <_Flow_SignoffStatus xmlns="ef624bc2-1644-4d69-8362-5c28ca496374" xsi:nil="true"/>
+    <TaxCatchAll xmlns="514a554b-82b0-4359-b247-fc84018a95f0" xsi:nil="true"/>
+    <lcf76f155ced4ddcb4097134ff3c332f xmlns="ef624bc2-1644-4d69-8362-5c28ca496374">
+      <Terms xmlns="http://schemas.microsoft.com/office/infopath/2007/PartnerControls"/>
+    </lcf76f155ced4ddcb4097134ff3c332f>
+  </documentManagement>
+</p:properties>
+</file>
+
+<file path=customXml/item2.xml><?xml version="1.0" encoding="utf-8"?>
 <ct:contentTypeSchema xmlns:ct="http://schemas.microsoft.com/office/2006/metadata/contentType" xmlns:ma="http://schemas.microsoft.com/office/2006/metadata/properties/metaAttributes" ct:_="" ma:_="" ma:contentTypeName="Document" ma:contentTypeID="0x0101005DDE610BC516E448BB8152259F39635A" ma:contentTypeVersion="17" ma:contentTypeDescription="Crée un document." ma:contentTypeScope="" ma:versionID="bfb75e103009df80b8e5001438c41194">
   <xsd:schema xmlns:xsd="http://www.w3.org/2001/XMLSchema" xmlns:xs="http://www.w3.org/2001/XMLSchema" xmlns:p="http://schemas.microsoft.com/office/2006/metadata/properties" xmlns:ns2="ef624bc2-1644-4d69-8362-5c28ca496374" xmlns:ns3="514a554b-82b0-4359-b247-fc84018a95f0" targetNamespace="http://schemas.microsoft.com/office/2006/metadata/properties" ma:root="true" ma:fieldsID="2ae3df86d13efbb4a35042af2564d386" ns2:_="" ns3:_="">
     <xsd:import namespace="ef624bc2-1644-4d69-8362-5c28ca496374"/>
@@ -36131,18 +36139,6 @@
 </ct:contentTypeSchema>
 </file>
 
-<file path=customXml/item2.xml><?xml version="1.0" encoding="utf-8"?>
-<p:properties xmlns:p="http://schemas.microsoft.com/office/2006/metadata/properties" xmlns:xsi="http://www.w3.org/2001/XMLSchema-instance" xmlns:pc="http://schemas.microsoft.com/office/infopath/2007/PartnerControls">
-  <documentManagement>
-    <_Flow_SignoffStatus xmlns="ef624bc2-1644-4d69-8362-5c28ca496374" xsi:nil="true"/>
-    <TaxCatchAll xmlns="514a554b-82b0-4359-b247-fc84018a95f0" xsi:nil="true"/>
-    <lcf76f155ced4ddcb4097134ff3c332f xmlns="ef624bc2-1644-4d69-8362-5c28ca496374">
-      <Terms xmlns="http://schemas.microsoft.com/office/infopath/2007/PartnerControls"/>
-    </lcf76f155ced4ddcb4097134ff3c332f>
-  </documentManagement>
-</p:properties>
-</file>
-
 <file path=customXml/item3.xml><?xml version="1.0" encoding="utf-8"?>
 <?mso-contentType ?>
 <FormTemplates xmlns="http://schemas.microsoft.com/sharepoint/v3/contenttype/forms">
@@ -36153,6 +36149,23 @@
 </file>
 
 <file path=customXml/itemProps1.xml><?xml version="1.0" encoding="utf-8"?>
+<ds:datastoreItem xmlns:ds="http://schemas.openxmlformats.org/officeDocument/2006/customXml" ds:itemID="{25DE574B-2CD2-4078-9BEA-2A14717D9698}">
+  <ds:schemaRefs>
+    <ds:schemaRef ds:uri="514a554b-82b0-4359-b247-fc84018a95f0"/>
+    <ds:schemaRef ds:uri="ef624bc2-1644-4d69-8362-5c28ca496374"/>
+    <ds:schemaRef ds:uri="http://purl.org/dc/dcmitype/"/>
+    <ds:schemaRef ds:uri="http://purl.org/dc/elements/1.1/"/>
+    <ds:schemaRef ds:uri="http://purl.org/dc/terms/"/>
+    <ds:schemaRef ds:uri="http://schemas.microsoft.com/office/2006/documentManagement/types"/>
+    <ds:schemaRef ds:uri="http://schemas.microsoft.com/office/2006/metadata/properties"/>
+    <ds:schemaRef ds:uri="http://schemas.microsoft.com/office/infopath/2007/PartnerControls"/>
+    <ds:schemaRef ds:uri="http://schemas.openxmlformats.org/package/2006/metadata/core-properties"/>
+    <ds:schemaRef ds:uri="http://www.w3.org/XML/1998/namespace"/>
+  </ds:schemaRefs>
+</ds:datastoreItem>
+</file>
+
+<file path=customXml/itemProps2.xml><?xml version="1.0" encoding="utf-8"?>
 <ds:datastoreItem xmlns:ds="http://schemas.openxmlformats.org/officeDocument/2006/customXml" ds:itemID="{1952AB1B-D807-48E4-B821-205D428E3F5C}">
   <ds:schemaRefs>
     <ds:schemaRef ds:uri="http://schemas.microsoft.com/office/2006/metadata/contentType"/>
@@ -36171,23 +36184,6 @@
 </ds:datastoreItem>
 </file>
 
-<file path=customXml/itemProps2.xml><?xml version="1.0" encoding="utf-8"?>
-<ds:datastoreItem xmlns:ds="http://schemas.openxmlformats.org/officeDocument/2006/customXml" ds:itemID="{25DE574B-2CD2-4078-9BEA-2A14717D9698}">
-  <ds:schemaRefs>
-    <ds:schemaRef ds:uri="514a554b-82b0-4359-b247-fc84018a95f0"/>
-    <ds:schemaRef ds:uri="ef624bc2-1644-4d69-8362-5c28ca496374"/>
-    <ds:schemaRef ds:uri="http://purl.org/dc/dcmitype/"/>
-    <ds:schemaRef ds:uri="http://purl.org/dc/elements/1.1/"/>
-    <ds:schemaRef ds:uri="http://purl.org/dc/terms/"/>
-    <ds:schemaRef ds:uri="http://schemas.microsoft.com/office/2006/documentManagement/types"/>
-    <ds:schemaRef ds:uri="http://schemas.microsoft.com/office/2006/metadata/properties"/>
-    <ds:schemaRef ds:uri="http://schemas.microsoft.com/office/infopath/2007/PartnerControls"/>
-    <ds:schemaRef ds:uri="http://schemas.openxmlformats.org/package/2006/metadata/core-properties"/>
-    <ds:schemaRef ds:uri="http://www.w3.org/XML/1998/namespace"/>
-  </ds:schemaRefs>
-</ds:datastoreItem>
-</file>
-
 <file path=customXml/itemProps3.xml><?xml version="1.0" encoding="utf-8"?>
 <ds:datastoreItem xmlns:ds="http://schemas.openxmlformats.org/officeDocument/2006/customXml" ds:itemID="{B00FC41E-FBDE-42E2-B58A-20EBD240A376}">
   <ds:schemaRefs>
